--- a/Documentation/Silkscreen/Design.pptx
+++ b/Documentation/Silkscreen/Design.pptx
@@ -8,6 +8,7 @@
     <p:sldId id="258" r:id="rId2"/>
     <p:sldId id="256" r:id="rId3"/>
     <p:sldId id="259" r:id="rId4"/>
+    <p:sldId id="260" r:id="rId5"/>
   </p:sldIdLst>
   <p:sldSz cx="7199313" cy="7199313"/>
   <p:notesSz cx="6858000" cy="9144000"/>
@@ -245,7 +246,7 @@
           <a:p>
             <a:fld id="{DB89F38B-51E1-4C90-A834-FCA36791B729}" type="datetimeFigureOut">
               <a:rPr lang="es-ES" smtClean="0"/>
-              <a:t>11/12/2021</a:t>
+              <a:t>10/03/2022</a:t>
             </a:fld>
             <a:endParaRPr lang="es-ES"/>
           </a:p>
@@ -415,7 +416,7 @@
           <a:p>
             <a:fld id="{DB89F38B-51E1-4C90-A834-FCA36791B729}" type="datetimeFigureOut">
               <a:rPr lang="es-ES" smtClean="0"/>
-              <a:t>11/12/2021</a:t>
+              <a:t>10/03/2022</a:t>
             </a:fld>
             <a:endParaRPr lang="es-ES"/>
           </a:p>
@@ -595,7 +596,7 @@
           <a:p>
             <a:fld id="{DB89F38B-51E1-4C90-A834-FCA36791B729}" type="datetimeFigureOut">
               <a:rPr lang="es-ES" smtClean="0"/>
-              <a:t>11/12/2021</a:t>
+              <a:t>10/03/2022</a:t>
             </a:fld>
             <a:endParaRPr lang="es-ES"/>
           </a:p>
@@ -765,7 +766,7 @@
           <a:p>
             <a:fld id="{DB89F38B-51E1-4C90-A834-FCA36791B729}" type="datetimeFigureOut">
               <a:rPr lang="es-ES" smtClean="0"/>
-              <a:t>11/12/2021</a:t>
+              <a:t>10/03/2022</a:t>
             </a:fld>
             <a:endParaRPr lang="es-ES"/>
           </a:p>
@@ -1009,7 +1010,7 @@
           <a:p>
             <a:fld id="{DB89F38B-51E1-4C90-A834-FCA36791B729}" type="datetimeFigureOut">
               <a:rPr lang="es-ES" smtClean="0"/>
-              <a:t>11/12/2021</a:t>
+              <a:t>10/03/2022</a:t>
             </a:fld>
             <a:endParaRPr lang="es-ES"/>
           </a:p>
@@ -1241,7 +1242,7 @@
           <a:p>
             <a:fld id="{DB89F38B-51E1-4C90-A834-FCA36791B729}" type="datetimeFigureOut">
               <a:rPr lang="es-ES" smtClean="0"/>
-              <a:t>11/12/2021</a:t>
+              <a:t>10/03/2022</a:t>
             </a:fld>
             <a:endParaRPr lang="es-ES"/>
           </a:p>
@@ -1608,7 +1609,7 @@
           <a:p>
             <a:fld id="{DB89F38B-51E1-4C90-A834-FCA36791B729}" type="datetimeFigureOut">
               <a:rPr lang="es-ES" smtClean="0"/>
-              <a:t>11/12/2021</a:t>
+              <a:t>10/03/2022</a:t>
             </a:fld>
             <a:endParaRPr lang="es-ES"/>
           </a:p>
@@ -1726,7 +1727,7 @@
           <a:p>
             <a:fld id="{DB89F38B-51E1-4C90-A834-FCA36791B729}" type="datetimeFigureOut">
               <a:rPr lang="es-ES" smtClean="0"/>
-              <a:t>11/12/2021</a:t>
+              <a:t>10/03/2022</a:t>
             </a:fld>
             <a:endParaRPr lang="es-ES"/>
           </a:p>
@@ -1821,7 +1822,7 @@
           <a:p>
             <a:fld id="{DB89F38B-51E1-4C90-A834-FCA36791B729}" type="datetimeFigureOut">
               <a:rPr lang="es-ES" smtClean="0"/>
-              <a:t>11/12/2021</a:t>
+              <a:t>10/03/2022</a:t>
             </a:fld>
             <a:endParaRPr lang="es-ES"/>
           </a:p>
@@ -2098,7 +2099,7 @@
           <a:p>
             <a:fld id="{DB89F38B-51E1-4C90-A834-FCA36791B729}" type="datetimeFigureOut">
               <a:rPr lang="es-ES" smtClean="0"/>
-              <a:t>11/12/2021</a:t>
+              <a:t>10/03/2022</a:t>
             </a:fld>
             <a:endParaRPr lang="es-ES"/>
           </a:p>
@@ -2355,7 +2356,7 @@
           <a:p>
             <a:fld id="{DB89F38B-51E1-4C90-A834-FCA36791B729}" type="datetimeFigureOut">
               <a:rPr lang="es-ES" smtClean="0"/>
-              <a:t>11/12/2021</a:t>
+              <a:t>10/03/2022</a:t>
             </a:fld>
             <a:endParaRPr lang="es-ES"/>
           </a:p>
@@ -2568,7 +2569,7 @@
           <a:p>
             <a:fld id="{DB89F38B-51E1-4C90-A834-FCA36791B729}" type="datetimeFigureOut">
               <a:rPr lang="es-ES" smtClean="0"/>
-              <a:t>11/12/2021</a:t>
+              <a:t>10/03/2022</a:t>
             </a:fld>
             <a:endParaRPr lang="es-ES"/>
           </a:p>
@@ -2988,7 +2989,7 @@
           <p:nvPr>
             <p:extLst>
               <p:ext uri="{D42A27DB-BD31-4B8C-83A1-F6EECF244321}">
-                <p14:modId xmlns:p14="http://schemas.microsoft.com/office/powerpoint/2010/main" val="1962468955"/>
+                <p14:modId xmlns:p14="http://schemas.microsoft.com/office/powerpoint/2010/main" val="2073349621"/>
               </p:ext>
             </p:extLst>
           </p:nvPr>
@@ -3001,12 +3002,12 @@
           <a:graphicData uri="http://schemas.openxmlformats.org/presentationml/2006/ole">
             <mc:AlternateContent xmlns:mc="http://schemas.openxmlformats.org/markup-compatibility/2006">
               <mc:Choice xmlns:v="urn:schemas-microsoft-com:vml" Requires="v">
-                <p:oleObj spid="_x0000_s1029" name="Worksheet" r:id="rId3" imgW="5629218" imgH="3248059" progId="Excel.Sheet.12">
+                <p:oleObj spid="_x0000_s1030" name="Worksheet" r:id="rId3" imgW="5629385" imgH="3248025" progId="Excel.Sheet.12">
                   <p:embed/>
                 </p:oleObj>
               </mc:Choice>
               <mc:Fallback>
-                <p:oleObj name="Worksheet" r:id="rId3" imgW="5629218" imgH="3248059" progId="Excel.Sheet.12">
+                <p:oleObj name="Worksheet" r:id="rId3" imgW="5629385" imgH="3248025" progId="Excel.Sheet.12">
                   <p:embed/>
                   <p:pic>
                     <p:nvPicPr>
@@ -3068,10 +3069,10 @@
       </p:grpSpPr>
       <p:pic>
         <p:nvPicPr>
-          <p:cNvPr id="24" name="Imagen 23">
+          <p:cNvPr id="7" name="Imagen 6">
             <a:extLst>
               <a:ext uri="{FF2B5EF4-FFF2-40B4-BE49-F238E27FC236}">
-                <a16:creationId xmlns:a16="http://schemas.microsoft.com/office/drawing/2014/main" id="{AEB29BF6-6B98-45CF-8F78-40790247B368}"/>
+                <a16:creationId xmlns:a16="http://schemas.microsoft.com/office/drawing/2014/main" id="{1AC615B1-ACD2-4A65-B239-6EFF82AC5C47}"/>
               </a:ext>
             </a:extLst>
           </p:cNvPr>
@@ -3099,8 +3100,8 @@
         </p:blipFill>
         <p:spPr>
           <a:xfrm>
-            <a:off x="-6601" y="932873"/>
-            <a:ext cx="7198474" cy="6266440"/>
+            <a:off x="0" y="163197"/>
+            <a:ext cx="7199313" cy="6872919"/>
           </a:xfrm>
           <a:prstGeom prst="rect">
             <a:avLst/>
@@ -3121,10 +3122,10 @@
         </p:nvGrpSpPr>
         <p:grpSpPr>
           <a:xfrm rot="5400000">
-            <a:off x="5467361" y="5461745"/>
-            <a:ext cx="430887" cy="1178503"/>
-            <a:chOff x="6778229" y="1357838"/>
-            <a:chExt cx="430887" cy="663456"/>
+            <a:off x="5816355" y="6171881"/>
+            <a:ext cx="618920" cy="1153794"/>
+            <a:chOff x="6351974" y="1501056"/>
+            <a:chExt cx="618920" cy="605040"/>
           </a:xfrm>
         </p:grpSpPr>
         <p:sp>
@@ -3141,8 +3142,8 @@
           </p:nvSpPr>
           <p:spPr>
             <a:xfrm rot="16200000">
-              <a:off x="6661945" y="1474122"/>
-              <a:ext cx="663456" cy="430887"/>
+              <a:off x="6496273" y="1375513"/>
+              <a:ext cx="349077" cy="600164"/>
             </a:xfrm>
             <a:prstGeom prst="rect">
               <a:avLst/>
@@ -3157,16 +3158,19 @@
             <a:p>
               <a:pPr algn="ctr"/>
               <a:r>
-                <a:rPr lang="es-ES" sz="1100" dirty="0" err="1">
+                <a:rPr lang="es-ES" sz="1100" dirty="0">
                   <a:latin typeface="Audiowide" panose="02000503000000020004" pitchFamily="2" charset="0"/>
                 </a:rPr>
-                <a:t>Power</a:t>
+                <a:t>Input</a:t>
               </a:r>
+            </a:p>
+            <a:p>
+              <a:pPr algn="ctr"/>
               <a:r>
                 <a:rPr lang="es-ES" sz="1100" dirty="0">
                   <a:latin typeface="Audiowide" panose="02000503000000020004" pitchFamily="2" charset="0"/>
                 </a:rPr>
-                <a:t> input 5 VDC</a:t>
+                <a:t>5 VDC</a:t>
               </a:r>
               <a:endParaRPr lang="es-ES" sz="1100" dirty="0"/>
             </a:p>
@@ -3186,8 +3190,8 @@
           </p:nvSpPr>
           <p:spPr>
             <a:xfrm rot="16200000">
-              <a:off x="6695841" y="1488157"/>
-              <a:ext cx="615229" cy="411301"/>
+              <a:off x="6302977" y="1565764"/>
+              <a:ext cx="598706" cy="481957"/>
             </a:xfrm>
             <a:prstGeom prst="roundRect">
               <a:avLst>
@@ -3226,6 +3230,45 @@
             </a:p>
           </p:txBody>
         </p:sp>
+        <p:sp>
+          <p:nvSpPr>
+            <p:cNvPr id="60" name="CuadroTexto 59">
+              <a:extLst>
+                <a:ext uri="{FF2B5EF4-FFF2-40B4-BE49-F238E27FC236}">
+                  <a16:creationId xmlns:a16="http://schemas.microsoft.com/office/drawing/2014/main" id="{1E3B2C46-704E-4BFC-A30C-E34D7B953D85}"/>
+                </a:ext>
+              </a:extLst>
+            </p:cNvPr>
+            <p:cNvSpPr txBox="1"/>
+            <p:nvPr/>
+          </p:nvSpPr>
+          <p:spPr>
+            <a:xfrm rot="16200000">
+              <a:off x="6353263" y="1799607"/>
+              <a:ext cx="305200" cy="307777"/>
+            </a:xfrm>
+            <a:prstGeom prst="rect">
+              <a:avLst/>
+            </a:prstGeom>
+            <a:noFill/>
+          </p:spPr>
+          <p:txBody>
+            <a:bodyPr wrap="square">
+              <a:spAutoFit/>
+            </a:bodyPr>
+            <a:lstStyle/>
+            <a:p>
+              <a:pPr algn="ctr"/>
+              <a:r>
+                <a:rPr lang="es-ES" sz="1400" b="1" dirty="0">
+                  <a:latin typeface="Audiowide" panose="02000503000000020004" pitchFamily="2" charset="0"/>
+                </a:rPr>
+                <a:t>-  +</a:t>
+              </a:r>
+              <a:endParaRPr lang="es-ES" sz="1400" b="1" dirty="0"/>
+            </a:p>
+          </p:txBody>
+        </p:sp>
       </p:grpSp>
       <p:grpSp>
         <p:nvGrpSpPr>
@@ -3241,10 +3284,10 @@
         </p:nvGrpSpPr>
         <p:grpSpPr>
           <a:xfrm>
-            <a:off x="56970" y="2283645"/>
-            <a:ext cx="1267974" cy="262608"/>
-            <a:chOff x="4711030" y="3325666"/>
-            <a:chExt cx="541819" cy="168682"/>
+            <a:off x="4439600" y="5254963"/>
+            <a:ext cx="1438452" cy="246480"/>
+            <a:chOff x="4695791" y="3325666"/>
+            <a:chExt cx="557058" cy="158323"/>
           </a:xfrm>
         </p:grpSpPr>
         <p:sp>
@@ -3317,8 +3360,8 @@
           </p:nvSpPr>
           <p:spPr>
             <a:xfrm>
-              <a:off x="4958846" y="3327983"/>
-              <a:ext cx="294003" cy="147974"/>
+              <a:off x="4810706" y="3327983"/>
+              <a:ext cx="442143" cy="147974"/>
             </a:xfrm>
             <a:prstGeom prst="roundRect">
               <a:avLst>
@@ -3356,15 +3399,15 @@
             <a:p>
               <a:pPr algn="ctr"/>
               <a:r>
-                <a:rPr lang="es-ES" sz="1100" b="1" dirty="0">
+                <a:rPr lang="es-ES" sz="1000" b="1" dirty="0">
                   <a:solidFill>
                     <a:schemeClr val="tx1"/>
                   </a:solidFill>
                   <a:latin typeface="Audiowide" panose="02000503000000020004" pitchFamily="2" charset="0"/>
                 </a:rPr>
-                <a:t>Sensor</a:t>
+                <a:t>Switch sensor</a:t>
               </a:r>
-              <a:endParaRPr lang="es-ES" sz="1000" b="1" dirty="0">
+              <a:endParaRPr lang="es-ES" sz="800" b="1" dirty="0">
                 <a:solidFill>
                   <a:schemeClr val="tx1"/>
                 </a:solidFill>
@@ -3387,8 +3430,8 @@
           </p:nvSpPr>
           <p:spPr>
             <a:xfrm>
-              <a:off x="4723932" y="3326307"/>
-              <a:ext cx="294003" cy="168041"/>
+              <a:off x="4695791" y="3325833"/>
+              <a:ext cx="184727" cy="158156"/>
             </a:xfrm>
             <a:prstGeom prst="rect">
               <a:avLst/>
@@ -3402,140 +3445,24 @@
             <a:lstStyle/>
             <a:p>
               <a:r>
-                <a:rPr lang="es-ES" sz="1100" b="1" dirty="0">
+                <a:rPr lang="es-ES" sz="1000" b="1" dirty="0">
                   <a:solidFill>
                     <a:schemeClr val="bg1"/>
                   </a:solidFill>
                   <a:latin typeface="Audiowide" panose="02000503000000020004" pitchFamily="2" charset="0"/>
                 </a:rPr>
-                <a:t>Light</a:t>
+                <a:t>27</a:t>
               </a:r>
+              <a:endParaRPr lang="es-ES" sz="1100" b="1" dirty="0">
+                <a:solidFill>
+                  <a:schemeClr val="bg1"/>
+                </a:solidFill>
+                <a:latin typeface="Audiowide" panose="02000503000000020004" pitchFamily="2" charset="0"/>
+              </a:endParaRPr>
             </a:p>
           </p:txBody>
         </p:sp>
       </p:grpSp>
-      <p:sp>
-        <p:nvSpPr>
-          <p:cNvPr id="247" name="CuadroTexto 246">
-            <a:extLst>
-              <a:ext uri="{FF2B5EF4-FFF2-40B4-BE49-F238E27FC236}">
-                <a16:creationId xmlns:a16="http://schemas.microsoft.com/office/drawing/2014/main" id="{389EB023-FD6B-445D-B5FD-EF80F297D7AB}"/>
-              </a:ext>
-            </a:extLst>
-          </p:cNvPr>
-          <p:cNvSpPr txBox="1"/>
-          <p:nvPr/>
-        </p:nvSpPr>
-        <p:spPr>
-          <a:xfrm>
-            <a:off x="-48599" y="5693533"/>
-            <a:ext cx="1441601" cy="769441"/>
-          </a:xfrm>
-          <a:prstGeom prst="rect">
-            <a:avLst/>
-          </a:prstGeom>
-          <a:noFill/>
-        </p:spPr>
-        <p:txBody>
-          <a:bodyPr wrap="square" rtlCol="0">
-            <a:spAutoFit/>
-          </a:bodyPr>
-          <a:lstStyle/>
-          <a:p>
-            <a:r>
-              <a:rPr lang="es-ES" sz="1100" i="1" dirty="0" err="1">
-                <a:latin typeface="Audiowide" panose="02000503000000020004" pitchFamily="2" charset="0"/>
-              </a:rPr>
-              <a:t>by</a:t>
-            </a:r>
-            <a:endParaRPr lang="es-ES" sz="1100" i="1" dirty="0">
-              <a:latin typeface="Audiowide" panose="02000503000000020004" pitchFamily="2" charset="0"/>
-            </a:endParaRPr>
-          </a:p>
-          <a:p>
-            <a:r>
-              <a:rPr lang="es-ES" sz="1100" i="1" dirty="0" err="1">
-                <a:latin typeface="Audiowide" panose="02000503000000020004" pitchFamily="2" charset="0"/>
-              </a:rPr>
-              <a:t>J.G.Aguado</a:t>
-            </a:r>
-            <a:endParaRPr lang="es-ES" sz="1100" i="1" dirty="0">
-              <a:latin typeface="Audiowide" panose="02000503000000020004" pitchFamily="2" charset="0"/>
-            </a:endParaRPr>
-          </a:p>
-          <a:p>
-            <a:r>
-              <a:rPr lang="es-ES" sz="1100" i="1" dirty="0">
-                <a:latin typeface="Audiowide" panose="02000503000000020004" pitchFamily="2" charset="0"/>
-              </a:rPr>
-              <a:t>12/2021</a:t>
-            </a:r>
-            <a:br>
-              <a:rPr lang="es-ES" sz="1100" i="1" dirty="0">
-                <a:latin typeface="Audiowide" panose="02000503000000020004" pitchFamily="2" charset="0"/>
-              </a:rPr>
-            </a:br>
-            <a:endParaRPr lang="es-ES" sz="1100" i="1" dirty="0">
-              <a:latin typeface="Audiowide" panose="02000503000000020004" pitchFamily="2" charset="0"/>
-            </a:endParaRPr>
-          </a:p>
-        </p:txBody>
-      </p:sp>
-      <p:pic>
-        <p:nvPicPr>
-          <p:cNvPr id="248" name="Imagen 247">
-            <a:extLst>
-              <a:ext uri="{FF2B5EF4-FFF2-40B4-BE49-F238E27FC236}">
-                <a16:creationId xmlns:a16="http://schemas.microsoft.com/office/drawing/2014/main" id="{E2F184C9-1806-46E0-BAE3-B4CEB6D3FD2D}"/>
-              </a:ext>
-            </a:extLst>
-          </p:cNvPr>
-          <p:cNvPicPr>
-            <a:picLocks noChangeAspect="1"/>
-          </p:cNvPicPr>
-          <p:nvPr/>
-        </p:nvPicPr>
-        <p:blipFill>
-          <a:blip r:embed="rId3">
-            <a:clrChange>
-              <a:clrFrom>
-                <a:srgbClr val="FFFFFF"/>
-              </a:clrFrom>
-              <a:clrTo>
-                <a:srgbClr val="FFFFFF">
-                  <a:alpha val="0"/>
-                </a:srgbClr>
-              </a:clrTo>
-            </a:clrChange>
-            <a:extLst>
-              <a:ext uri="{BEBA8EAE-BF5A-486C-A8C5-ECC9F3942E4B}">
-                <a14:imgProps xmlns:a14="http://schemas.microsoft.com/office/drawing/2010/main">
-                  <a14:imgLayer r:embed="rId4">
-                    <a14:imgEffect>
-                      <a14:sharpenSoften amount="50000"/>
-                    </a14:imgEffect>
-                  </a14:imgLayer>
-                </a14:imgProps>
-              </a:ext>
-              <a:ext uri="{28A0092B-C50C-407E-A947-70E740481C1C}">
-                <a14:useLocalDpi xmlns:a14="http://schemas.microsoft.com/office/drawing/2010/main" val="0"/>
-              </a:ext>
-            </a:extLst>
-          </a:blip>
-          <a:stretch>
-            <a:fillRect/>
-          </a:stretch>
-        </p:blipFill>
-        <p:spPr>
-          <a:xfrm>
-            <a:off x="-46152" y="5233115"/>
-            <a:ext cx="1162237" cy="584184"/>
-          </a:xfrm>
-          <a:prstGeom prst="rect">
-            <a:avLst/>
-          </a:prstGeom>
-        </p:spPr>
-      </p:pic>
       <p:grpSp>
         <p:nvGrpSpPr>
           <p:cNvPr id="27" name="Grupo 26">
@@ -3550,10 +3477,10 @@
         </p:nvGrpSpPr>
         <p:grpSpPr>
           <a:xfrm>
-            <a:off x="1041798" y="2598700"/>
-            <a:ext cx="4968593" cy="247784"/>
+            <a:off x="869398" y="1649128"/>
+            <a:ext cx="3520602" cy="247784"/>
             <a:chOff x="1057278" y="2598700"/>
-            <a:chExt cx="4968593" cy="247784"/>
+            <a:chExt cx="3520602" cy="247784"/>
           </a:xfrm>
         </p:grpSpPr>
         <p:grpSp>
@@ -3711,7 +3638,7 @@
             <p:spPr>
               <a:xfrm>
                 <a:off x="4679015" y="3331350"/>
-                <a:ext cx="347892" cy="197739"/>
+                <a:ext cx="347892" cy="189506"/>
               </a:xfrm>
               <a:prstGeom prst="rect">
                 <a:avLst/>
@@ -3732,7 +3659,7 @@
                     </a:solidFill>
                     <a:latin typeface="Audiowide" panose="02000503000000020004" pitchFamily="2" charset="0"/>
                   </a:rPr>
-                  <a:t>A3</a:t>
+                  <a:t>A4</a:t>
                 </a:r>
               </a:p>
             </p:txBody>
@@ -3752,10 +3679,10 @@
           </p:nvGrpSpPr>
           <p:grpSpPr>
             <a:xfrm>
-              <a:off x="2338572" y="2598700"/>
-              <a:ext cx="1124711" cy="247784"/>
-              <a:chOff x="4679015" y="3325666"/>
-              <a:chExt cx="864822" cy="203423"/>
+              <a:off x="2252838" y="2598700"/>
+              <a:ext cx="1124729" cy="247784"/>
+              <a:chOff x="4613084" y="3325666"/>
+              <a:chExt cx="864835" cy="203423"/>
             </a:xfrm>
           </p:grpSpPr>
           <p:sp>
@@ -3772,7 +3699,7 @@
             </p:nvSpPr>
             <p:spPr>
               <a:xfrm>
-                <a:off x="4711030" y="3325666"/>
+                <a:off x="4645112" y="3325666"/>
                 <a:ext cx="832807" cy="203423"/>
               </a:xfrm>
               <a:prstGeom prst="roundRect">
@@ -3828,7 +3755,7 @@
             </p:nvSpPr>
             <p:spPr>
               <a:xfrm>
-                <a:off x="4965572" y="3337215"/>
+                <a:off x="4899646" y="3337215"/>
                 <a:ext cx="568321" cy="183313"/>
               </a:xfrm>
               <a:prstGeom prst="roundRect">
@@ -3892,7 +3819,7 @@
             </p:nvSpPr>
             <p:spPr>
               <a:xfrm>
-                <a:off x="4679015" y="3331350"/>
+                <a:off x="4613084" y="3331350"/>
                 <a:ext cx="347892" cy="189506"/>
               </a:xfrm>
               <a:prstGeom prst="rect">
@@ -3914,7 +3841,7 @@
                     </a:solidFill>
                     <a:latin typeface="Audiowide" panose="02000503000000020004" pitchFamily="2" charset="0"/>
                   </a:rPr>
-                  <a:t>A4</a:t>
+                  <a:t>A5</a:t>
                 </a:r>
               </a:p>
             </p:txBody>
@@ -3934,10 +3861,10 @@
           </p:nvGrpSpPr>
           <p:grpSpPr>
             <a:xfrm>
-              <a:off x="3619866" y="2598700"/>
-              <a:ext cx="1124711" cy="247784"/>
-              <a:chOff x="4679015" y="3325666"/>
-              <a:chExt cx="864822" cy="203423"/>
+              <a:off x="3453155" y="2598700"/>
+              <a:ext cx="1124725" cy="247784"/>
+              <a:chOff x="4550832" y="3325666"/>
+              <a:chExt cx="864834" cy="203423"/>
             </a:xfrm>
           </p:grpSpPr>
           <p:sp>
@@ -3954,7 +3881,7 @@
             </p:nvSpPr>
             <p:spPr>
               <a:xfrm>
-                <a:off x="4711030" y="3325666"/>
+                <a:off x="4582859" y="3325666"/>
                 <a:ext cx="832807" cy="203423"/>
               </a:xfrm>
               <a:prstGeom prst="roundRect">
@@ -4010,7 +3937,7 @@
             </p:nvSpPr>
             <p:spPr>
               <a:xfrm>
-                <a:off x="4965572" y="3337215"/>
+                <a:off x="4837404" y="3337215"/>
                 <a:ext cx="568321" cy="183313"/>
               </a:xfrm>
               <a:prstGeom prst="roundRect">
@@ -4074,7 +4001,7 @@
             </p:nvSpPr>
             <p:spPr>
               <a:xfrm>
-                <a:off x="4679015" y="3331350"/>
+                <a:off x="4550832" y="3331350"/>
                 <a:ext cx="347892" cy="189506"/>
               </a:xfrm>
               <a:prstGeom prst="rect">
@@ -4096,189 +4023,7 @@
                     </a:solidFill>
                     <a:latin typeface="Audiowide" panose="02000503000000020004" pitchFamily="2" charset="0"/>
                   </a:rPr>
-                  <a:t>A5</a:t>
-                </a:r>
-              </a:p>
-            </p:txBody>
-          </p:sp>
-        </p:grpSp>
-        <p:grpSp>
-          <p:nvGrpSpPr>
-            <p:cNvPr id="269" name="Grupo 268">
-              <a:extLst>
-                <a:ext uri="{FF2B5EF4-FFF2-40B4-BE49-F238E27FC236}">
-                  <a16:creationId xmlns:a16="http://schemas.microsoft.com/office/drawing/2014/main" id="{2DCCAEF3-3E2B-49FD-83DE-B339385771B1}"/>
-                </a:ext>
-              </a:extLst>
-            </p:cNvPr>
-            <p:cNvGrpSpPr/>
-            <p:nvPr/>
-          </p:nvGrpSpPr>
-          <p:grpSpPr>
-            <a:xfrm>
-              <a:off x="4901160" y="2598700"/>
-              <a:ext cx="1124711" cy="247784"/>
-              <a:chOff x="4679015" y="3325666"/>
-              <a:chExt cx="864822" cy="203423"/>
-            </a:xfrm>
-          </p:grpSpPr>
-          <p:sp>
-            <p:nvSpPr>
-              <p:cNvPr id="270" name="Rectángulo: esquinas redondeadas 269">
-                <a:extLst>
-                  <a:ext uri="{FF2B5EF4-FFF2-40B4-BE49-F238E27FC236}">
-                    <a16:creationId xmlns:a16="http://schemas.microsoft.com/office/drawing/2014/main" id="{E3B0CEB6-A9F1-41B1-962A-77440E87F92E}"/>
-                  </a:ext>
-                </a:extLst>
-              </p:cNvPr>
-              <p:cNvSpPr/>
-              <p:nvPr/>
-            </p:nvSpPr>
-            <p:spPr>
-              <a:xfrm>
-                <a:off x="4711030" y="3325666"/>
-                <a:ext cx="832807" cy="203423"/>
-              </a:xfrm>
-              <a:prstGeom prst="roundRect">
-                <a:avLst>
-                  <a:gd name="adj" fmla="val 50000"/>
-                </a:avLst>
-              </a:prstGeom>
-              <a:solidFill>
-                <a:schemeClr val="tx1"/>
-              </a:solidFill>
-              <a:ln w="12700">
-                <a:solidFill>
-                  <a:schemeClr val="tx1"/>
-                </a:solidFill>
-              </a:ln>
-            </p:spPr>
-            <p:style>
-              <a:lnRef idx="2">
-                <a:schemeClr val="accent1">
-                  <a:shade val="50000"/>
-                </a:schemeClr>
-              </a:lnRef>
-              <a:fillRef idx="1">
-                <a:schemeClr val="accent1"/>
-              </a:fillRef>
-              <a:effectRef idx="0">
-                <a:schemeClr val="accent1"/>
-              </a:effectRef>
-              <a:fontRef idx="minor">
-                <a:schemeClr val="lt1"/>
-              </a:fontRef>
-            </p:style>
-            <p:txBody>
-              <a:bodyPr rtlCol="0" anchor="ctr"/>
-              <a:lstStyle/>
-              <a:p>
-                <a:pPr algn="r"/>
-                <a:endParaRPr lang="es-ES" sz="2000" dirty="0"/>
-              </a:p>
-            </p:txBody>
-          </p:sp>
-          <p:sp>
-            <p:nvSpPr>
-              <p:cNvPr id="271" name="Rectángulo: esquinas redondeadas 270">
-                <a:extLst>
-                  <a:ext uri="{FF2B5EF4-FFF2-40B4-BE49-F238E27FC236}">
-                    <a16:creationId xmlns:a16="http://schemas.microsoft.com/office/drawing/2014/main" id="{51C33DA4-3BE5-4772-81DF-04C1EA5C400F}"/>
-                  </a:ext>
-                </a:extLst>
-              </p:cNvPr>
-              <p:cNvSpPr/>
-              <p:nvPr/>
-            </p:nvSpPr>
-            <p:spPr>
-              <a:xfrm>
-                <a:off x="4965572" y="3337215"/>
-                <a:ext cx="568321" cy="183313"/>
-              </a:xfrm>
-              <a:prstGeom prst="roundRect">
-                <a:avLst>
-                  <a:gd name="adj" fmla="val 50000"/>
-                </a:avLst>
-              </a:prstGeom>
-              <a:solidFill>
-                <a:schemeClr val="bg1"/>
-              </a:solidFill>
-              <a:ln w="12700">
-                <a:solidFill>
-                  <a:schemeClr val="tx1"/>
-                </a:solidFill>
-              </a:ln>
-            </p:spPr>
-            <p:style>
-              <a:lnRef idx="2">
-                <a:schemeClr val="accent1">
-                  <a:shade val="50000"/>
-                </a:schemeClr>
-              </a:lnRef>
-              <a:fillRef idx="1">
-                <a:schemeClr val="accent1"/>
-              </a:fillRef>
-              <a:effectRef idx="0">
-                <a:schemeClr val="accent1"/>
-              </a:effectRef>
-              <a:fontRef idx="minor">
-                <a:schemeClr val="lt1"/>
-              </a:fontRef>
-            </p:style>
-            <p:txBody>
-              <a:bodyPr lIns="0" rIns="0" rtlCol="0" anchor="ctr"/>
-              <a:lstStyle/>
-              <a:p>
-                <a:pPr algn="ctr"/>
-                <a:r>
-                  <a:rPr lang="es-ES" sz="1000" dirty="0">
-                    <a:solidFill>
-                      <a:schemeClr val="tx1"/>
-                    </a:solidFill>
-                    <a:latin typeface="Audiowide" panose="02000503000000020004" pitchFamily="2" charset="0"/>
-                  </a:rPr>
-                  <a:t>INPUT 4</a:t>
-                </a:r>
-              </a:p>
-            </p:txBody>
-          </p:sp>
-          <p:sp>
-            <p:nvSpPr>
-              <p:cNvPr id="272" name="CuadroTexto 271">
-                <a:extLst>
-                  <a:ext uri="{FF2B5EF4-FFF2-40B4-BE49-F238E27FC236}">
-                    <a16:creationId xmlns:a16="http://schemas.microsoft.com/office/drawing/2014/main" id="{FA83E077-5A52-4CD3-8F42-D80D46384F79}"/>
-                  </a:ext>
-                </a:extLst>
-              </p:cNvPr>
-              <p:cNvSpPr txBox="1"/>
-              <p:nvPr/>
-            </p:nvSpPr>
-            <p:spPr>
-              <a:xfrm>
-                <a:off x="4679015" y="3331350"/>
-                <a:ext cx="347892" cy="189506"/>
-              </a:xfrm>
-              <a:prstGeom prst="rect">
-                <a:avLst/>
-              </a:prstGeom>
-              <a:noFill/>
-            </p:spPr>
-            <p:txBody>
-              <a:bodyPr wrap="square">
-                <a:spAutoFit/>
-              </a:bodyPr>
-              <a:lstStyle/>
-              <a:p>
-                <a:pPr algn="ctr"/>
-                <a:r>
-                  <a:rPr lang="es-ES" sz="900" dirty="0">
-                    <a:solidFill>
-                      <a:schemeClr val="bg1"/>
-                    </a:solidFill>
-                    <a:latin typeface="Audiowide" panose="02000503000000020004" pitchFamily="2" charset="0"/>
-                  </a:rPr>
-                  <a:t>A17</a:t>
+                  <a:t>A0</a:t>
                 </a:r>
               </a:p>
             </p:txBody>
@@ -4299,10 +4044,10 @@
         </p:nvGrpSpPr>
         <p:grpSpPr>
           <a:xfrm>
-            <a:off x="1041798" y="5272006"/>
-            <a:ext cx="4968593" cy="247784"/>
-            <a:chOff x="1057278" y="2598700"/>
-            <a:chExt cx="4968593" cy="247784"/>
+            <a:off x="809476" y="5245103"/>
+            <a:ext cx="3502714" cy="254708"/>
+            <a:chOff x="1057278" y="2591776"/>
+            <a:chExt cx="3502714" cy="254708"/>
           </a:xfrm>
         </p:grpSpPr>
         <p:grpSp>
@@ -4481,7 +4226,7 @@
                     </a:solidFill>
                     <a:latin typeface="Audiowide" panose="02000503000000020004" pitchFamily="2" charset="0"/>
                   </a:rPr>
-                  <a:t>A12</a:t>
+                  <a:t>A1</a:t>
                 </a:r>
               </a:p>
             </p:txBody>
@@ -4501,10 +4246,10 @@
           </p:nvGrpSpPr>
           <p:grpSpPr>
             <a:xfrm>
-              <a:off x="2338572" y="2598700"/>
-              <a:ext cx="1124711" cy="247784"/>
-              <a:chOff x="4679015" y="3325666"/>
-              <a:chExt cx="864822" cy="203423"/>
+              <a:off x="2240245" y="2598652"/>
+              <a:ext cx="1124710" cy="247784"/>
+              <a:chOff x="4603407" y="3325627"/>
+              <a:chExt cx="864821" cy="203423"/>
             </a:xfrm>
           </p:grpSpPr>
           <p:sp>
@@ -4521,7 +4266,7 @@
             </p:nvSpPr>
             <p:spPr>
               <a:xfrm>
-                <a:off x="4711030" y="3325666"/>
+                <a:off x="4635421" y="3325627"/>
                 <a:ext cx="832807" cy="203423"/>
               </a:xfrm>
               <a:prstGeom prst="roundRect">
@@ -4577,7 +4322,7 @@
             </p:nvSpPr>
             <p:spPr>
               <a:xfrm>
-                <a:off x="4965572" y="3337215"/>
+                <a:off x="4889962" y="3337176"/>
                 <a:ext cx="568321" cy="183313"/>
               </a:xfrm>
               <a:prstGeom prst="roundRect">
@@ -4641,7 +4386,7 @@
             </p:nvSpPr>
             <p:spPr>
               <a:xfrm>
-                <a:off x="4679015" y="3331350"/>
+                <a:off x="4603407" y="3331311"/>
                 <a:ext cx="347892" cy="189506"/>
               </a:xfrm>
               <a:prstGeom prst="rect">
@@ -4663,7 +4408,7 @@
                     </a:solidFill>
                     <a:latin typeface="Audiowide" panose="02000503000000020004" pitchFamily="2" charset="0"/>
                   </a:rPr>
-                  <a:t>A13</a:t>
+                  <a:t>A2</a:t>
                 </a:r>
               </a:p>
             </p:txBody>
@@ -4683,10 +4428,10 @@
           </p:nvGrpSpPr>
           <p:grpSpPr>
             <a:xfrm>
-              <a:off x="3619866" y="2598700"/>
-              <a:ext cx="1124711" cy="247784"/>
-              <a:chOff x="4679015" y="3325666"/>
-              <a:chExt cx="864822" cy="203423"/>
+              <a:off x="3435280" y="2591776"/>
+              <a:ext cx="1124712" cy="247784"/>
+              <a:chOff x="4537083" y="3319982"/>
+              <a:chExt cx="864823" cy="203423"/>
             </a:xfrm>
           </p:grpSpPr>
           <p:sp>
@@ -4703,7 +4448,7 @@
             </p:nvSpPr>
             <p:spPr>
               <a:xfrm>
-                <a:off x="4711030" y="3325666"/>
+                <a:off x="4569099" y="3319982"/>
                 <a:ext cx="832807" cy="203423"/>
               </a:xfrm>
               <a:prstGeom prst="roundRect">
@@ -4759,7 +4504,7 @@
             </p:nvSpPr>
             <p:spPr>
               <a:xfrm>
-                <a:off x="4965572" y="3337215"/>
+                <a:off x="4823641" y="3331531"/>
                 <a:ext cx="568321" cy="183313"/>
               </a:xfrm>
               <a:prstGeom prst="roundRect">
@@ -4823,7 +4568,7 @@
             </p:nvSpPr>
             <p:spPr>
               <a:xfrm>
-                <a:off x="4679015" y="3331350"/>
+                <a:off x="4537083" y="3325666"/>
                 <a:ext cx="347892" cy="189506"/>
               </a:xfrm>
               <a:prstGeom prst="rect">
@@ -4845,18 +4590,39 @@
                     </a:solidFill>
                     <a:latin typeface="Audiowide" panose="02000503000000020004" pitchFamily="2" charset="0"/>
                   </a:rPr>
-                  <a:t>A14</a:t>
+                  <a:t>A3</a:t>
                 </a:r>
               </a:p>
             </p:txBody>
           </p:sp>
         </p:grpSp>
+      </p:grpSp>
+      <p:grpSp>
+        <p:nvGrpSpPr>
+          <p:cNvPr id="312" name="Grupo 311">
+            <a:extLst>
+              <a:ext uri="{FF2B5EF4-FFF2-40B4-BE49-F238E27FC236}">
+                <a16:creationId xmlns:a16="http://schemas.microsoft.com/office/drawing/2014/main" id="{81F60973-414B-414D-A452-8C06D54B3CFC}"/>
+              </a:ext>
+            </a:extLst>
+          </p:cNvPr>
+          <p:cNvGrpSpPr/>
+          <p:nvPr/>
+        </p:nvGrpSpPr>
+        <p:grpSpPr>
+          <a:xfrm>
+            <a:off x="939397" y="1879806"/>
+            <a:ext cx="3509420" cy="954107"/>
+            <a:chOff x="1297832" y="3123592"/>
+            <a:chExt cx="3363697" cy="954107"/>
+          </a:xfrm>
+        </p:grpSpPr>
         <p:grpSp>
           <p:nvGrpSpPr>
-            <p:cNvPr id="294" name="Grupo 293">
+            <p:cNvPr id="313" name="Grupo 312">
               <a:extLst>
                 <a:ext uri="{FF2B5EF4-FFF2-40B4-BE49-F238E27FC236}">
-                  <a16:creationId xmlns:a16="http://schemas.microsoft.com/office/drawing/2014/main" id="{4F7BEC2E-962E-4274-906D-A4F24BF46068}"/>
+                  <a16:creationId xmlns:a16="http://schemas.microsoft.com/office/drawing/2014/main" id="{D4802609-33BD-4BE2-8724-A85E0D08FEB7}"/>
                 </a:ext>
               </a:extLst>
             </p:cNvPr>
@@ -4865,138 +4631,18 @@
           </p:nvGrpSpPr>
           <p:grpSpPr>
             <a:xfrm>
-              <a:off x="4901160" y="2598700"/>
-              <a:ext cx="1124711" cy="247784"/>
-              <a:chOff x="4679015" y="3325666"/>
-              <a:chExt cx="864822" cy="203423"/>
+              <a:off x="1297832" y="3123592"/>
+              <a:ext cx="3138964" cy="954107"/>
+              <a:chOff x="1270756" y="3048694"/>
+              <a:chExt cx="3138964" cy="954107"/>
             </a:xfrm>
           </p:grpSpPr>
           <p:sp>
             <p:nvSpPr>
-              <p:cNvPr id="295" name="Rectángulo: esquinas redondeadas 294">
+              <p:cNvPr id="315" name="CuadroTexto 314">
                 <a:extLst>
                   <a:ext uri="{FF2B5EF4-FFF2-40B4-BE49-F238E27FC236}">
-                    <a16:creationId xmlns:a16="http://schemas.microsoft.com/office/drawing/2014/main" id="{D2D4DBB8-A9A0-43F8-B62D-11010634ADCA}"/>
-                  </a:ext>
-                </a:extLst>
-              </p:cNvPr>
-              <p:cNvSpPr/>
-              <p:nvPr/>
-            </p:nvSpPr>
-            <p:spPr>
-              <a:xfrm>
-                <a:off x="4711030" y="3325666"/>
-                <a:ext cx="832807" cy="203423"/>
-              </a:xfrm>
-              <a:prstGeom prst="roundRect">
-                <a:avLst>
-                  <a:gd name="adj" fmla="val 50000"/>
-                </a:avLst>
-              </a:prstGeom>
-              <a:solidFill>
-                <a:schemeClr val="tx1"/>
-              </a:solidFill>
-              <a:ln w="12700">
-                <a:solidFill>
-                  <a:schemeClr val="tx1"/>
-                </a:solidFill>
-              </a:ln>
-            </p:spPr>
-            <p:style>
-              <a:lnRef idx="2">
-                <a:schemeClr val="accent1">
-                  <a:shade val="50000"/>
-                </a:schemeClr>
-              </a:lnRef>
-              <a:fillRef idx="1">
-                <a:schemeClr val="accent1"/>
-              </a:fillRef>
-              <a:effectRef idx="0">
-                <a:schemeClr val="accent1"/>
-              </a:effectRef>
-              <a:fontRef idx="minor">
-                <a:schemeClr val="lt1"/>
-              </a:fontRef>
-            </p:style>
-            <p:txBody>
-              <a:bodyPr rtlCol="0" anchor="ctr"/>
-              <a:lstStyle/>
-              <a:p>
-                <a:pPr algn="r"/>
-                <a:endParaRPr lang="es-ES" sz="2000" dirty="0"/>
-              </a:p>
-            </p:txBody>
-          </p:sp>
-          <p:sp>
-            <p:nvSpPr>
-              <p:cNvPr id="296" name="Rectángulo: esquinas redondeadas 295">
-                <a:extLst>
-                  <a:ext uri="{FF2B5EF4-FFF2-40B4-BE49-F238E27FC236}">
-                    <a16:creationId xmlns:a16="http://schemas.microsoft.com/office/drawing/2014/main" id="{831F07F0-77BA-4E3A-B152-53D2FFD724CB}"/>
-                  </a:ext>
-                </a:extLst>
-              </p:cNvPr>
-              <p:cNvSpPr/>
-              <p:nvPr/>
-            </p:nvSpPr>
-            <p:spPr>
-              <a:xfrm>
-                <a:off x="4965572" y="3337215"/>
-                <a:ext cx="568321" cy="183313"/>
-              </a:xfrm>
-              <a:prstGeom prst="roundRect">
-                <a:avLst>
-                  <a:gd name="adj" fmla="val 50000"/>
-                </a:avLst>
-              </a:prstGeom>
-              <a:solidFill>
-                <a:schemeClr val="bg1"/>
-              </a:solidFill>
-              <a:ln w="12700">
-                <a:solidFill>
-                  <a:schemeClr val="tx1"/>
-                </a:solidFill>
-              </a:ln>
-            </p:spPr>
-            <p:style>
-              <a:lnRef idx="2">
-                <a:schemeClr val="accent1">
-                  <a:shade val="50000"/>
-                </a:schemeClr>
-              </a:lnRef>
-              <a:fillRef idx="1">
-                <a:schemeClr val="accent1"/>
-              </a:fillRef>
-              <a:effectRef idx="0">
-                <a:schemeClr val="accent1"/>
-              </a:effectRef>
-              <a:fontRef idx="minor">
-                <a:schemeClr val="lt1"/>
-              </a:fontRef>
-            </p:style>
-            <p:txBody>
-              <a:bodyPr lIns="0" rIns="0" rtlCol="0" anchor="ctr"/>
-              <a:lstStyle/>
-              <a:p>
-                <a:pPr algn="ctr"/>
-                <a:r>
-                  <a:rPr lang="es-ES" sz="1000" dirty="0">
-                    <a:solidFill>
-                      <a:schemeClr val="tx1"/>
-                    </a:solidFill>
-                    <a:latin typeface="Audiowide" panose="02000503000000020004" pitchFamily="2" charset="0"/>
-                  </a:rPr>
-                  <a:t>INPUT 8</a:t>
-                </a:r>
-              </a:p>
-            </p:txBody>
-          </p:sp>
-          <p:sp>
-            <p:nvSpPr>
-              <p:cNvPr id="297" name="CuadroTexto 296">
-                <a:extLst>
-                  <a:ext uri="{FF2B5EF4-FFF2-40B4-BE49-F238E27FC236}">
-                    <a16:creationId xmlns:a16="http://schemas.microsoft.com/office/drawing/2014/main" id="{D940337F-0605-4271-9AED-99BB9C559F57}"/>
+                    <a16:creationId xmlns:a16="http://schemas.microsoft.com/office/drawing/2014/main" id="{BB10D2D0-401C-45A0-A11E-97D7783C3CE8}"/>
                   </a:ext>
                 </a:extLst>
               </p:cNvPr>
@@ -5005,91 +4651,8 @@
             </p:nvSpPr>
             <p:spPr>
               <a:xfrm>
-                <a:off x="4679015" y="3331350"/>
-                <a:ext cx="347892" cy="189506"/>
-              </a:xfrm>
-              <a:prstGeom prst="rect">
-                <a:avLst/>
-              </a:prstGeom>
-              <a:noFill/>
-            </p:spPr>
-            <p:txBody>
-              <a:bodyPr wrap="square">
-                <a:spAutoFit/>
-              </a:bodyPr>
-              <a:lstStyle/>
-              <a:p>
-                <a:pPr algn="ctr"/>
-                <a:r>
-                  <a:rPr lang="es-ES" sz="900" dirty="0">
-                    <a:solidFill>
-                      <a:schemeClr val="bg1"/>
-                    </a:solidFill>
-                    <a:latin typeface="Audiowide" panose="02000503000000020004" pitchFamily="2" charset="0"/>
-                  </a:rPr>
-                  <a:t>A15</a:t>
-                </a:r>
-              </a:p>
-            </p:txBody>
-          </p:sp>
-        </p:grpSp>
-      </p:grpSp>
-      <p:grpSp>
-        <p:nvGrpSpPr>
-          <p:cNvPr id="307" name="Grupo 306">
-            <a:extLst>
-              <a:ext uri="{FF2B5EF4-FFF2-40B4-BE49-F238E27FC236}">
-                <a16:creationId xmlns:a16="http://schemas.microsoft.com/office/drawing/2014/main" id="{933DC89F-546B-4D72-ADC6-100A820D1D21}"/>
-              </a:ext>
-            </a:extLst>
-          </p:cNvPr>
-          <p:cNvGrpSpPr/>
-          <p:nvPr/>
-        </p:nvGrpSpPr>
-        <p:grpSpPr>
-          <a:xfrm rot="16200000">
-            <a:off x="4788452" y="3590841"/>
-            <a:ext cx="3448379" cy="954107"/>
-            <a:chOff x="1213150" y="3123593"/>
-            <a:chExt cx="3448379" cy="954107"/>
-          </a:xfrm>
-        </p:grpSpPr>
-        <p:grpSp>
-          <p:nvGrpSpPr>
-            <p:cNvPr id="308" name="Grupo 307">
-              <a:extLst>
-                <a:ext uri="{FF2B5EF4-FFF2-40B4-BE49-F238E27FC236}">
-                  <a16:creationId xmlns:a16="http://schemas.microsoft.com/office/drawing/2014/main" id="{177FFC82-0042-49FB-A55B-95CD9D12F2C2}"/>
-                </a:ext>
-              </a:extLst>
-            </p:cNvPr>
-            <p:cNvGrpSpPr/>
-            <p:nvPr/>
-          </p:nvGrpSpPr>
-          <p:grpSpPr>
-            <a:xfrm>
-              <a:off x="1213150" y="3123593"/>
-              <a:ext cx="3229360" cy="954107"/>
-              <a:chOff x="1186074" y="3048695"/>
-              <a:chExt cx="3229360" cy="954107"/>
-            </a:xfrm>
-          </p:grpSpPr>
-          <p:sp>
-            <p:nvSpPr>
-              <p:cNvPr id="310" name="CuadroTexto 309">
-                <a:extLst>
-                  <a:ext uri="{FF2B5EF4-FFF2-40B4-BE49-F238E27FC236}">
-                    <a16:creationId xmlns:a16="http://schemas.microsoft.com/office/drawing/2014/main" id="{42389257-FD3A-4844-9C0A-3F3904E9B9FB}"/>
-                  </a:ext>
-                </a:extLst>
-              </p:cNvPr>
-              <p:cNvSpPr txBox="1"/>
-              <p:nvPr/>
-            </p:nvSpPr>
-            <p:spPr>
-              <a:xfrm>
-                <a:off x="1186074" y="3048695"/>
-                <a:ext cx="2840402" cy="954107"/>
+                <a:off x="1270756" y="3048694"/>
+                <a:ext cx="2755720" cy="954107"/>
               </a:xfrm>
               <a:prstGeom prst="rect">
                 <a:avLst/>
@@ -5113,189 +4676,11 @@
                   <a:rPr lang="es-ES" sz="2800" dirty="0" err="1">
                     <a:latin typeface="Audiowide" panose="02000503000000020004" pitchFamily="2" charset="0"/>
                   </a:rPr>
-                  <a:t>Power</a:t>
+                  <a:t>Powermeter</a:t>
                 </a:r>
-                <a:r>
-                  <a:rPr lang="es-ES" sz="2800" dirty="0">
-                    <a:latin typeface="Audiowide" panose="02000503000000020004" pitchFamily="2" charset="0"/>
-                  </a:rPr>
-                  <a:t>-meter</a:t>
-                </a:r>
-              </a:p>
-            </p:txBody>
-          </p:sp>
-          <p:pic>
-            <p:nvPicPr>
-              <p:cNvPr id="311" name="Picture 32" descr="Internet and WiFi - Bibliothèques de Martigues">
-                <a:extLst>
-                  <a:ext uri="{FF2B5EF4-FFF2-40B4-BE49-F238E27FC236}">
-                    <a16:creationId xmlns:a16="http://schemas.microsoft.com/office/drawing/2014/main" id="{1090B0AF-FFE1-478D-B706-57736848ABBC}"/>
-                  </a:ext>
-                </a:extLst>
-              </p:cNvPr>
-              <p:cNvPicPr>
-                <a:picLocks noChangeAspect="1" noChangeArrowheads="1"/>
-              </p:cNvPicPr>
-              <p:nvPr/>
-            </p:nvPicPr>
-            <p:blipFill>
-              <a:blip r:embed="rId5">
-                <a:extLst>
-                  <a:ext uri="{28A0092B-C50C-407E-A947-70E740481C1C}">
-                    <a14:useLocalDpi xmlns:a14="http://schemas.microsoft.com/office/drawing/2010/main" val="0"/>
-                  </a:ext>
-                </a:extLst>
-              </a:blip>
-              <a:srcRect/>
-              <a:stretch>
-                <a:fillRect/>
-              </a:stretch>
-            </p:blipFill>
-            <p:spPr bwMode="auto">
-              <a:xfrm rot="2604738">
-                <a:off x="3895447" y="3477536"/>
-                <a:ext cx="519987" cy="450856"/>
-              </a:xfrm>
-              <a:prstGeom prst="rect">
-                <a:avLst/>
-              </a:prstGeom>
-              <a:noFill/>
-              <a:extLst>
-                <a:ext uri="{909E8E84-426E-40DD-AFC4-6F175D3DCCD1}">
-                  <a14:hiddenFill xmlns:a14="http://schemas.microsoft.com/office/drawing/2010/main">
-                    <a:solidFill>
-                      <a:srgbClr val="FFFFFF"/>
-                    </a:solidFill>
-                  </a14:hiddenFill>
-                </a:ext>
-              </a:extLst>
-            </p:spPr>
-          </p:pic>
-        </p:grpSp>
-        <p:pic>
-          <p:nvPicPr>
-            <p:cNvPr id="309" name="Imagen 308">
-              <a:extLst>
-                <a:ext uri="{FF2B5EF4-FFF2-40B4-BE49-F238E27FC236}">
-                  <a16:creationId xmlns:a16="http://schemas.microsoft.com/office/drawing/2014/main" id="{0B1980DC-83AE-4A77-9889-24909EDF0E75}"/>
-                </a:ext>
-              </a:extLst>
-            </p:cNvPr>
-            <p:cNvPicPr>
-              <a:picLocks noChangeAspect="1"/>
-            </p:cNvPicPr>
-            <p:nvPr/>
-          </p:nvPicPr>
-          <p:blipFill>
-            <a:blip r:embed="rId6">
-              <a:extLst>
-                <a:ext uri="{28A0092B-C50C-407E-A947-70E740481C1C}">
-                  <a14:useLocalDpi xmlns:a14="http://schemas.microsoft.com/office/drawing/2010/main" val="0"/>
-                </a:ext>
-              </a:extLst>
-            </a:blip>
-            <a:stretch>
-              <a:fillRect/>
-            </a:stretch>
-          </p:blipFill>
-          <p:spPr>
-            <a:xfrm>
-              <a:off x="4204329" y="3195022"/>
-              <a:ext cx="457200" cy="457200"/>
-            </a:xfrm>
-            <a:prstGeom prst="rect">
-              <a:avLst/>
-            </a:prstGeom>
-          </p:spPr>
-        </p:pic>
-      </p:grpSp>
-      <p:grpSp>
-        <p:nvGrpSpPr>
-          <p:cNvPr id="312" name="Grupo 311">
-            <a:extLst>
-              <a:ext uri="{FF2B5EF4-FFF2-40B4-BE49-F238E27FC236}">
-                <a16:creationId xmlns:a16="http://schemas.microsoft.com/office/drawing/2014/main" id="{81F60973-414B-414D-A452-8C06D54B3CFC}"/>
-              </a:ext>
-            </a:extLst>
-          </p:cNvPr>
-          <p:cNvGrpSpPr/>
-          <p:nvPr/>
-        </p:nvGrpSpPr>
-        <p:grpSpPr>
-          <a:xfrm>
-            <a:off x="1638301" y="3589039"/>
-            <a:ext cx="3509420" cy="1384995"/>
-            <a:chOff x="1297832" y="3123592"/>
-            <a:chExt cx="3363697" cy="1384995"/>
-          </a:xfrm>
-        </p:grpSpPr>
-        <p:grpSp>
-          <p:nvGrpSpPr>
-            <p:cNvPr id="313" name="Grupo 312">
-              <a:extLst>
-                <a:ext uri="{FF2B5EF4-FFF2-40B4-BE49-F238E27FC236}">
-                  <a16:creationId xmlns:a16="http://schemas.microsoft.com/office/drawing/2014/main" id="{D4802609-33BD-4BE2-8724-A85E0D08FEB7}"/>
-                </a:ext>
-              </a:extLst>
-            </p:cNvPr>
-            <p:cNvGrpSpPr/>
-            <p:nvPr/>
-          </p:nvGrpSpPr>
-          <p:grpSpPr>
-            <a:xfrm>
-              <a:off x="1297832" y="3123592"/>
-              <a:ext cx="3144678" cy="1384995"/>
-              <a:chOff x="1270756" y="3048694"/>
-              <a:chExt cx="3144678" cy="1384995"/>
-            </a:xfrm>
-          </p:grpSpPr>
-          <p:sp>
-            <p:nvSpPr>
-              <p:cNvPr id="315" name="CuadroTexto 314">
-                <a:extLst>
-                  <a:ext uri="{FF2B5EF4-FFF2-40B4-BE49-F238E27FC236}">
-                    <a16:creationId xmlns:a16="http://schemas.microsoft.com/office/drawing/2014/main" id="{BB10D2D0-401C-45A0-A11E-97D7783C3CE8}"/>
-                  </a:ext>
-                </a:extLst>
-              </p:cNvPr>
-              <p:cNvSpPr txBox="1"/>
-              <p:nvPr/>
-            </p:nvSpPr>
-            <p:spPr>
-              <a:xfrm>
-                <a:off x="1270756" y="3048694"/>
-                <a:ext cx="2755720" cy="1384995"/>
-              </a:xfrm>
-              <a:prstGeom prst="rect">
-                <a:avLst/>
-              </a:prstGeom>
-              <a:noFill/>
-            </p:spPr>
-            <p:txBody>
-              <a:bodyPr wrap="square" rtlCol="0">
-                <a:spAutoFit/>
-              </a:bodyPr>
-              <a:lstStyle/>
-              <a:p>
-                <a:pPr algn="r"/>
-                <a:r>
-                  <a:rPr lang="es-ES" sz="2800" dirty="0">
-                    <a:latin typeface="Audiowide" panose="02000503000000020004" pitchFamily="2" charset="0"/>
-                  </a:rPr>
-                  <a:t>Smart </a:t>
-                </a:r>
-                <a:r>
-                  <a:rPr lang="es-ES" sz="2800" dirty="0" err="1">
-                    <a:latin typeface="Audiowide" panose="02000503000000020004" pitchFamily="2" charset="0"/>
-                  </a:rPr>
-                  <a:t>Power</a:t>
-                </a:r>
-                <a:r>
-                  <a:rPr lang="es-ES" sz="2800" dirty="0">
-                    <a:latin typeface="Audiowide" panose="02000503000000020004" pitchFamily="2" charset="0"/>
-                  </a:rPr>
-                  <a:t>-meter</a:t>
-                </a:r>
+                <a:endParaRPr lang="es-ES" sz="2800" dirty="0">
+                  <a:latin typeface="Audiowide" panose="02000503000000020004" pitchFamily="2" charset="0"/>
+                </a:endParaRPr>
               </a:p>
             </p:txBody>
           </p:sp>
@@ -5314,7 +4699,7 @@
               <p:nvPr/>
             </p:nvPicPr>
             <p:blipFill>
-              <a:blip r:embed="rId5">
+              <a:blip r:embed="rId3">
                 <a:extLst>
                   <a:ext uri="{28A0092B-C50C-407E-A947-70E740481C1C}">
                     <a14:useLocalDpi xmlns:a14="http://schemas.microsoft.com/office/drawing/2010/main" val="0"/>
@@ -5328,8 +4713,8 @@
             </p:blipFill>
             <p:spPr bwMode="auto">
               <a:xfrm rot="2604738">
-                <a:off x="3895447" y="3477536"/>
-                <a:ext cx="519987" cy="450856"/>
+                <a:off x="3931493" y="3492507"/>
+                <a:ext cx="478227" cy="450856"/>
               </a:xfrm>
               <a:prstGeom prst="rect">
                 <a:avLst/>
@@ -5362,7 +4747,7 @@
             <p:nvPr/>
           </p:nvPicPr>
           <p:blipFill>
-            <a:blip r:embed="rId6">
+            <a:blip r:embed="rId4">
               <a:extLst>
                 <a:ext uri="{28A0092B-C50C-407E-A947-70E740481C1C}">
                   <a14:useLocalDpi xmlns:a14="http://schemas.microsoft.com/office/drawing/2010/main" val="0"/>
@@ -5383,6 +4768,129 @@
             </a:prstGeom>
           </p:spPr>
         </p:pic>
+      </p:grpSp>
+      <p:grpSp>
+        <p:nvGrpSpPr>
+          <p:cNvPr id="63" name="Grupo 62">
+            <a:extLst>
+              <a:ext uri="{FF2B5EF4-FFF2-40B4-BE49-F238E27FC236}">
+                <a16:creationId xmlns:a16="http://schemas.microsoft.com/office/drawing/2014/main" id="{FC560BEC-2F52-4694-AE07-04EF2E0C3FAB}"/>
+              </a:ext>
+            </a:extLst>
+          </p:cNvPr>
+          <p:cNvGrpSpPr/>
+          <p:nvPr/>
+        </p:nvGrpSpPr>
+        <p:grpSpPr>
+          <a:xfrm rot="5400000">
+            <a:off x="6021738" y="114487"/>
+            <a:ext cx="481957" cy="923962"/>
+            <a:chOff x="6361351" y="1501055"/>
+            <a:chExt cx="481957" cy="484518"/>
+          </a:xfrm>
+        </p:grpSpPr>
+        <p:sp>
+          <p:nvSpPr>
+            <p:cNvPr id="64" name="CuadroTexto 63">
+              <a:extLst>
+                <a:ext uri="{FF2B5EF4-FFF2-40B4-BE49-F238E27FC236}">
+                  <a16:creationId xmlns:a16="http://schemas.microsoft.com/office/drawing/2014/main" id="{06FACA06-2848-4701-958B-0FDE7272CC14}"/>
+                </a:ext>
+              </a:extLst>
+            </p:cNvPr>
+            <p:cNvSpPr txBox="1"/>
+            <p:nvPr/>
+          </p:nvSpPr>
+          <p:spPr>
+            <a:xfrm rot="16200000">
+              <a:off x="6343915" y="1527869"/>
+              <a:ext cx="484516" cy="430887"/>
+            </a:xfrm>
+            <a:prstGeom prst="rect">
+              <a:avLst/>
+            </a:prstGeom>
+            <a:noFill/>
+          </p:spPr>
+          <p:txBody>
+            <a:bodyPr wrap="square">
+              <a:spAutoFit/>
+            </a:bodyPr>
+            <a:lstStyle/>
+            <a:p>
+              <a:pPr algn="ctr"/>
+              <a:r>
+                <a:rPr lang="es-ES" sz="1100" dirty="0">
+                  <a:latin typeface="Audiowide" panose="02000503000000020004" pitchFamily="2" charset="0"/>
+                </a:rPr>
+                <a:t>Input</a:t>
+              </a:r>
+            </a:p>
+            <a:p>
+              <a:pPr algn="ctr"/>
+              <a:r>
+                <a:rPr lang="es-ES" sz="1100" dirty="0">
+                  <a:latin typeface="Audiowide" panose="02000503000000020004" pitchFamily="2" charset="0"/>
+                </a:rPr>
+                <a:t>230 VAC</a:t>
+              </a:r>
+              <a:endParaRPr lang="es-ES" sz="1100" dirty="0"/>
+            </a:p>
+          </p:txBody>
+        </p:sp>
+        <p:sp>
+          <p:nvSpPr>
+            <p:cNvPr id="65" name="Rectángulo: esquinas redondeadas 64">
+              <a:extLst>
+                <a:ext uri="{FF2B5EF4-FFF2-40B4-BE49-F238E27FC236}">
+                  <a16:creationId xmlns:a16="http://schemas.microsoft.com/office/drawing/2014/main" id="{5E233DAC-8CCC-452B-AC4D-FA1691E06855}"/>
+                </a:ext>
+              </a:extLst>
+            </p:cNvPr>
+            <p:cNvSpPr/>
+            <p:nvPr/>
+          </p:nvSpPr>
+          <p:spPr>
+            <a:xfrm rot="16200000">
+              <a:off x="6363239" y="1505503"/>
+              <a:ext cx="478182" cy="481957"/>
+            </a:xfrm>
+            <a:prstGeom prst="roundRect">
+              <a:avLst>
+                <a:gd name="adj" fmla="val 30781"/>
+              </a:avLst>
+            </a:prstGeom>
+            <a:noFill/>
+            <a:ln w="28575">
+              <a:solidFill>
+                <a:schemeClr val="tx1"/>
+              </a:solidFill>
+            </a:ln>
+          </p:spPr>
+          <p:style>
+            <a:lnRef idx="2">
+              <a:schemeClr val="accent1">
+                <a:shade val="50000"/>
+              </a:schemeClr>
+            </a:lnRef>
+            <a:fillRef idx="1">
+              <a:schemeClr val="accent1"/>
+            </a:fillRef>
+            <a:effectRef idx="0">
+              <a:schemeClr val="accent1"/>
+            </a:effectRef>
+            <a:fontRef idx="minor">
+              <a:schemeClr val="lt1"/>
+            </a:fontRef>
+          </p:style>
+          <p:txBody>
+            <a:bodyPr rtlCol="0" anchor="ctr"/>
+            <a:lstStyle/>
+            <a:p>
+              <a:pPr algn="r"/>
+              <a:endParaRPr lang="es-ES" dirty="0"/>
+            </a:p>
+          </p:txBody>
+        </p:sp>
       </p:grpSp>
     </p:spTree>
     <p:extLst>
@@ -5428,10 +4936,10 @@
         </p:nvGrpSpPr>
         <p:grpSpPr>
           <a:xfrm rot="5400000">
-            <a:off x="5467361" y="5461745"/>
-            <a:ext cx="430887" cy="1178503"/>
-            <a:chOff x="6778229" y="1357838"/>
-            <a:chExt cx="430887" cy="663456"/>
+            <a:off x="5816355" y="6171881"/>
+            <a:ext cx="618920" cy="1153794"/>
+            <a:chOff x="6351974" y="1501056"/>
+            <a:chExt cx="618920" cy="605040"/>
           </a:xfrm>
         </p:grpSpPr>
         <p:sp>
@@ -5448,8 +4956,8 @@
           </p:nvSpPr>
           <p:spPr>
             <a:xfrm rot="16200000">
-              <a:off x="6661945" y="1474122"/>
-              <a:ext cx="663456" cy="430887"/>
+              <a:off x="6496273" y="1375513"/>
+              <a:ext cx="349077" cy="600164"/>
             </a:xfrm>
             <a:prstGeom prst="rect">
               <a:avLst/>
@@ -5464,16 +4972,19 @@
             <a:p>
               <a:pPr algn="ctr"/>
               <a:r>
-                <a:rPr lang="es-ES" sz="1100" dirty="0" err="1">
+                <a:rPr lang="es-ES" sz="1100" dirty="0">
                   <a:latin typeface="Audiowide" panose="02000503000000020004" pitchFamily="2" charset="0"/>
                 </a:rPr>
-                <a:t>Power</a:t>
+                <a:t>Input</a:t>
               </a:r>
+            </a:p>
+            <a:p>
+              <a:pPr algn="ctr"/>
               <a:r>
                 <a:rPr lang="es-ES" sz="1100" dirty="0">
                   <a:latin typeface="Audiowide" panose="02000503000000020004" pitchFamily="2" charset="0"/>
                 </a:rPr>
-                <a:t> input 5 VDC</a:t>
+                <a:t>5 VDC</a:t>
               </a:r>
               <a:endParaRPr lang="es-ES" sz="1100" dirty="0"/>
             </a:p>
@@ -5493,8 +5004,8 @@
           </p:nvSpPr>
           <p:spPr>
             <a:xfrm rot="16200000">
-              <a:off x="6695841" y="1488157"/>
-              <a:ext cx="615229" cy="411301"/>
+              <a:off x="6302977" y="1565764"/>
+              <a:ext cx="598706" cy="481957"/>
             </a:xfrm>
             <a:prstGeom prst="roundRect">
               <a:avLst>
@@ -5533,6 +5044,45 @@
             </a:p>
           </p:txBody>
         </p:sp>
+        <p:sp>
+          <p:nvSpPr>
+            <p:cNvPr id="60" name="CuadroTexto 59">
+              <a:extLst>
+                <a:ext uri="{FF2B5EF4-FFF2-40B4-BE49-F238E27FC236}">
+                  <a16:creationId xmlns:a16="http://schemas.microsoft.com/office/drawing/2014/main" id="{1E3B2C46-704E-4BFC-A30C-E34D7B953D85}"/>
+                </a:ext>
+              </a:extLst>
+            </p:cNvPr>
+            <p:cNvSpPr txBox="1"/>
+            <p:nvPr/>
+          </p:nvSpPr>
+          <p:spPr>
+            <a:xfrm rot="16200000">
+              <a:off x="6353263" y="1799607"/>
+              <a:ext cx="305200" cy="307777"/>
+            </a:xfrm>
+            <a:prstGeom prst="rect">
+              <a:avLst/>
+            </a:prstGeom>
+            <a:noFill/>
+          </p:spPr>
+          <p:txBody>
+            <a:bodyPr wrap="square">
+              <a:spAutoFit/>
+            </a:bodyPr>
+            <a:lstStyle/>
+            <a:p>
+              <a:pPr algn="ctr"/>
+              <a:r>
+                <a:rPr lang="es-ES" sz="1400" b="1" dirty="0">
+                  <a:latin typeface="Audiowide" panose="02000503000000020004" pitchFamily="2" charset="0"/>
+                </a:rPr>
+                <a:t>-  +</a:t>
+              </a:r>
+              <a:endParaRPr lang="es-ES" sz="1400" b="1" dirty="0"/>
+            </a:p>
+          </p:txBody>
+        </p:sp>
       </p:grpSp>
       <p:grpSp>
         <p:nvGrpSpPr>
@@ -5548,10 +5098,10 @@
         </p:nvGrpSpPr>
         <p:grpSpPr>
           <a:xfrm>
-            <a:off x="56970" y="2283645"/>
-            <a:ext cx="1267974" cy="262608"/>
-            <a:chOff x="4711030" y="3325666"/>
-            <a:chExt cx="541819" cy="168682"/>
+            <a:off x="4439600" y="5254963"/>
+            <a:ext cx="1438452" cy="246480"/>
+            <a:chOff x="4695791" y="3325666"/>
+            <a:chExt cx="557058" cy="158323"/>
           </a:xfrm>
         </p:grpSpPr>
         <p:sp>
@@ -5624,8 +5174,8 @@
           </p:nvSpPr>
           <p:spPr>
             <a:xfrm>
-              <a:off x="4958846" y="3327983"/>
-              <a:ext cx="294003" cy="147974"/>
+              <a:off x="4810706" y="3327983"/>
+              <a:ext cx="442143" cy="147974"/>
             </a:xfrm>
             <a:prstGeom prst="roundRect">
               <a:avLst>
@@ -5663,15 +5213,15 @@
             <a:p>
               <a:pPr algn="ctr"/>
               <a:r>
-                <a:rPr lang="es-ES" sz="1100" b="1" dirty="0">
+                <a:rPr lang="es-ES" sz="1000" dirty="0">
                   <a:solidFill>
                     <a:schemeClr val="tx1"/>
                   </a:solidFill>
                   <a:latin typeface="Audiowide" panose="02000503000000020004" pitchFamily="2" charset="0"/>
                 </a:rPr>
-                <a:t>Sensor</a:t>
+                <a:t>Switch sensor</a:t>
               </a:r>
-              <a:endParaRPr lang="es-ES" sz="1000" b="1" dirty="0">
+              <a:endParaRPr lang="es-ES" sz="800" dirty="0">
                 <a:solidFill>
                   <a:schemeClr val="tx1"/>
                 </a:solidFill>
@@ -5694,8 +5244,8 @@
           </p:nvSpPr>
           <p:spPr>
             <a:xfrm>
-              <a:off x="4723932" y="3326307"/>
-              <a:ext cx="294003" cy="168041"/>
+              <a:off x="4695791" y="3325833"/>
+              <a:ext cx="184727" cy="158156"/>
             </a:xfrm>
             <a:prstGeom prst="rect">
               <a:avLst/>
@@ -5709,140 +5259,24 @@
             <a:lstStyle/>
             <a:p>
               <a:r>
-                <a:rPr lang="es-ES" sz="1100" b="1" dirty="0">
+                <a:rPr lang="es-ES" sz="1000" b="1" dirty="0">
                   <a:solidFill>
                     <a:schemeClr val="bg1"/>
                   </a:solidFill>
                   <a:latin typeface="Audiowide" panose="02000503000000020004" pitchFamily="2" charset="0"/>
                 </a:rPr>
-                <a:t>Light</a:t>
+                <a:t>27</a:t>
               </a:r>
+              <a:endParaRPr lang="es-ES" sz="1100" b="1" dirty="0">
+                <a:solidFill>
+                  <a:schemeClr val="bg1"/>
+                </a:solidFill>
+                <a:latin typeface="Audiowide" panose="02000503000000020004" pitchFamily="2" charset="0"/>
+              </a:endParaRPr>
             </a:p>
           </p:txBody>
         </p:sp>
       </p:grpSp>
-      <p:sp>
-        <p:nvSpPr>
-          <p:cNvPr id="247" name="CuadroTexto 246">
-            <a:extLst>
-              <a:ext uri="{FF2B5EF4-FFF2-40B4-BE49-F238E27FC236}">
-                <a16:creationId xmlns:a16="http://schemas.microsoft.com/office/drawing/2014/main" id="{389EB023-FD6B-445D-B5FD-EF80F297D7AB}"/>
-              </a:ext>
-            </a:extLst>
-          </p:cNvPr>
-          <p:cNvSpPr txBox="1"/>
-          <p:nvPr/>
-        </p:nvSpPr>
-        <p:spPr>
-          <a:xfrm>
-            <a:off x="-48599" y="5693533"/>
-            <a:ext cx="1441601" cy="769441"/>
-          </a:xfrm>
-          <a:prstGeom prst="rect">
-            <a:avLst/>
-          </a:prstGeom>
-          <a:noFill/>
-        </p:spPr>
-        <p:txBody>
-          <a:bodyPr wrap="square" rtlCol="0">
-            <a:spAutoFit/>
-          </a:bodyPr>
-          <a:lstStyle/>
-          <a:p>
-            <a:r>
-              <a:rPr lang="es-ES" sz="1100" i="1" dirty="0" err="1">
-                <a:latin typeface="Audiowide" panose="02000503000000020004" pitchFamily="2" charset="0"/>
-              </a:rPr>
-              <a:t>by</a:t>
-            </a:r>
-            <a:endParaRPr lang="es-ES" sz="1100" i="1" dirty="0">
-              <a:latin typeface="Audiowide" panose="02000503000000020004" pitchFamily="2" charset="0"/>
-            </a:endParaRPr>
-          </a:p>
-          <a:p>
-            <a:r>
-              <a:rPr lang="es-ES" sz="1100" i="1" dirty="0" err="1">
-                <a:latin typeface="Audiowide" panose="02000503000000020004" pitchFamily="2" charset="0"/>
-              </a:rPr>
-              <a:t>J.G.Aguado</a:t>
-            </a:r>
-            <a:endParaRPr lang="es-ES" sz="1100" i="1" dirty="0">
-              <a:latin typeface="Audiowide" panose="02000503000000020004" pitchFamily="2" charset="0"/>
-            </a:endParaRPr>
-          </a:p>
-          <a:p>
-            <a:r>
-              <a:rPr lang="es-ES" sz="1100" i="1" dirty="0">
-                <a:latin typeface="Audiowide" panose="02000503000000020004" pitchFamily="2" charset="0"/>
-              </a:rPr>
-              <a:t>12/2021</a:t>
-            </a:r>
-            <a:br>
-              <a:rPr lang="es-ES" sz="1100" i="1" dirty="0">
-                <a:latin typeface="Audiowide" panose="02000503000000020004" pitchFamily="2" charset="0"/>
-              </a:rPr>
-            </a:br>
-            <a:endParaRPr lang="es-ES" sz="1100" i="1" dirty="0">
-              <a:latin typeface="Audiowide" panose="02000503000000020004" pitchFamily="2" charset="0"/>
-            </a:endParaRPr>
-          </a:p>
-        </p:txBody>
-      </p:sp>
-      <p:pic>
-        <p:nvPicPr>
-          <p:cNvPr id="248" name="Imagen 247">
-            <a:extLst>
-              <a:ext uri="{FF2B5EF4-FFF2-40B4-BE49-F238E27FC236}">
-                <a16:creationId xmlns:a16="http://schemas.microsoft.com/office/drawing/2014/main" id="{E2F184C9-1806-46E0-BAE3-B4CEB6D3FD2D}"/>
-              </a:ext>
-            </a:extLst>
-          </p:cNvPr>
-          <p:cNvPicPr>
-            <a:picLocks noChangeAspect="1"/>
-          </p:cNvPicPr>
-          <p:nvPr/>
-        </p:nvPicPr>
-        <p:blipFill>
-          <a:blip r:embed="rId2">
-            <a:clrChange>
-              <a:clrFrom>
-                <a:srgbClr val="FFFFFF"/>
-              </a:clrFrom>
-              <a:clrTo>
-                <a:srgbClr val="FFFFFF">
-                  <a:alpha val="0"/>
-                </a:srgbClr>
-              </a:clrTo>
-            </a:clrChange>
-            <a:extLst>
-              <a:ext uri="{BEBA8EAE-BF5A-486C-A8C5-ECC9F3942E4B}">
-                <a14:imgProps xmlns:a14="http://schemas.microsoft.com/office/drawing/2010/main">
-                  <a14:imgLayer r:embed="rId3">
-                    <a14:imgEffect>
-                      <a14:sharpenSoften amount="50000"/>
-                    </a14:imgEffect>
-                  </a14:imgLayer>
-                </a14:imgProps>
-              </a:ext>
-              <a:ext uri="{28A0092B-C50C-407E-A947-70E740481C1C}">
-                <a14:useLocalDpi xmlns:a14="http://schemas.microsoft.com/office/drawing/2010/main" val="0"/>
-              </a:ext>
-            </a:extLst>
-          </a:blip>
-          <a:stretch>
-            <a:fillRect/>
-          </a:stretch>
-        </p:blipFill>
-        <p:spPr>
-          <a:xfrm>
-            <a:off x="-46152" y="5233115"/>
-            <a:ext cx="1162237" cy="584184"/>
-          </a:xfrm>
-          <a:prstGeom prst="rect">
-            <a:avLst/>
-          </a:prstGeom>
-        </p:spPr>
-      </p:pic>
       <p:grpSp>
         <p:nvGrpSpPr>
           <p:cNvPr id="27" name="Grupo 26">
@@ -5857,10 +5291,10 @@
         </p:nvGrpSpPr>
         <p:grpSpPr>
           <a:xfrm>
-            <a:off x="1041798" y="2598700"/>
-            <a:ext cx="4968593" cy="247784"/>
+            <a:off x="869398" y="1649128"/>
+            <a:ext cx="3520602" cy="247784"/>
             <a:chOff x="1057278" y="2598700"/>
-            <a:chExt cx="4968593" cy="247784"/>
+            <a:chExt cx="3520602" cy="247784"/>
           </a:xfrm>
         </p:grpSpPr>
         <p:grpSp>
@@ -6018,7 +5452,7 @@
             <p:spPr>
               <a:xfrm>
                 <a:off x="4679015" y="3331350"/>
-                <a:ext cx="347892" cy="197739"/>
+                <a:ext cx="347892" cy="189506"/>
               </a:xfrm>
               <a:prstGeom prst="rect">
                 <a:avLst/>
@@ -6039,7 +5473,7 @@
                     </a:solidFill>
                     <a:latin typeface="Audiowide" panose="02000503000000020004" pitchFamily="2" charset="0"/>
                   </a:rPr>
-                  <a:t>A3</a:t>
+                  <a:t>A4</a:t>
                 </a:r>
               </a:p>
             </p:txBody>
@@ -6059,10 +5493,10 @@
           </p:nvGrpSpPr>
           <p:grpSpPr>
             <a:xfrm>
-              <a:off x="2338572" y="2598700"/>
-              <a:ext cx="1124711" cy="247784"/>
-              <a:chOff x="4679015" y="3325666"/>
-              <a:chExt cx="864822" cy="203423"/>
+              <a:off x="2252838" y="2598700"/>
+              <a:ext cx="1124729" cy="247784"/>
+              <a:chOff x="4613084" y="3325666"/>
+              <a:chExt cx="864835" cy="203423"/>
             </a:xfrm>
           </p:grpSpPr>
           <p:sp>
@@ -6079,7 +5513,7 @@
             </p:nvSpPr>
             <p:spPr>
               <a:xfrm>
-                <a:off x="4711030" y="3325666"/>
+                <a:off x="4645112" y="3325666"/>
                 <a:ext cx="832807" cy="203423"/>
               </a:xfrm>
               <a:prstGeom prst="roundRect">
@@ -6135,7 +5569,7 @@
             </p:nvSpPr>
             <p:spPr>
               <a:xfrm>
-                <a:off x="4965572" y="3337215"/>
+                <a:off x="4899646" y="3337215"/>
                 <a:ext cx="568321" cy="183313"/>
               </a:xfrm>
               <a:prstGeom prst="roundRect">
@@ -6199,7 +5633,7 @@
             </p:nvSpPr>
             <p:spPr>
               <a:xfrm>
-                <a:off x="4679015" y="3331350"/>
+                <a:off x="4613084" y="3331350"/>
                 <a:ext cx="347892" cy="189506"/>
               </a:xfrm>
               <a:prstGeom prst="rect">
@@ -6221,7 +5655,7 @@
                     </a:solidFill>
                     <a:latin typeface="Audiowide" panose="02000503000000020004" pitchFamily="2" charset="0"/>
                   </a:rPr>
-                  <a:t>A4</a:t>
+                  <a:t>A5</a:t>
                 </a:r>
               </a:p>
             </p:txBody>
@@ -6241,10 +5675,10 @@
           </p:nvGrpSpPr>
           <p:grpSpPr>
             <a:xfrm>
-              <a:off x="3619866" y="2598700"/>
-              <a:ext cx="1124711" cy="247784"/>
-              <a:chOff x="4679015" y="3325666"/>
-              <a:chExt cx="864822" cy="203423"/>
+              <a:off x="3453155" y="2598700"/>
+              <a:ext cx="1124725" cy="247784"/>
+              <a:chOff x="4550832" y="3325666"/>
+              <a:chExt cx="864834" cy="203423"/>
             </a:xfrm>
           </p:grpSpPr>
           <p:sp>
@@ -6261,7 +5695,7 @@
             </p:nvSpPr>
             <p:spPr>
               <a:xfrm>
-                <a:off x="4711030" y="3325666"/>
+                <a:off x="4582859" y="3325666"/>
                 <a:ext cx="832807" cy="203423"/>
               </a:xfrm>
               <a:prstGeom prst="roundRect">
@@ -6317,7 +5751,7 @@
             </p:nvSpPr>
             <p:spPr>
               <a:xfrm>
-                <a:off x="4965572" y="3337215"/>
+                <a:off x="4837404" y="3337215"/>
                 <a:ext cx="568321" cy="183313"/>
               </a:xfrm>
               <a:prstGeom prst="roundRect">
@@ -6381,7 +5815,7 @@
             </p:nvSpPr>
             <p:spPr>
               <a:xfrm>
-                <a:off x="4679015" y="3331350"/>
+                <a:off x="4550832" y="3331350"/>
                 <a:ext cx="347892" cy="189506"/>
               </a:xfrm>
               <a:prstGeom prst="rect">
@@ -6403,189 +5837,7 @@
                     </a:solidFill>
                     <a:latin typeface="Audiowide" panose="02000503000000020004" pitchFamily="2" charset="0"/>
                   </a:rPr>
-                  <a:t>A5</a:t>
-                </a:r>
-              </a:p>
-            </p:txBody>
-          </p:sp>
-        </p:grpSp>
-        <p:grpSp>
-          <p:nvGrpSpPr>
-            <p:cNvPr id="269" name="Grupo 268">
-              <a:extLst>
-                <a:ext uri="{FF2B5EF4-FFF2-40B4-BE49-F238E27FC236}">
-                  <a16:creationId xmlns:a16="http://schemas.microsoft.com/office/drawing/2014/main" id="{2DCCAEF3-3E2B-49FD-83DE-B339385771B1}"/>
-                </a:ext>
-              </a:extLst>
-            </p:cNvPr>
-            <p:cNvGrpSpPr/>
-            <p:nvPr/>
-          </p:nvGrpSpPr>
-          <p:grpSpPr>
-            <a:xfrm>
-              <a:off x="4901160" y="2598700"/>
-              <a:ext cx="1124711" cy="247784"/>
-              <a:chOff x="4679015" y="3325666"/>
-              <a:chExt cx="864822" cy="203423"/>
-            </a:xfrm>
-          </p:grpSpPr>
-          <p:sp>
-            <p:nvSpPr>
-              <p:cNvPr id="270" name="Rectángulo: esquinas redondeadas 269">
-                <a:extLst>
-                  <a:ext uri="{FF2B5EF4-FFF2-40B4-BE49-F238E27FC236}">
-                    <a16:creationId xmlns:a16="http://schemas.microsoft.com/office/drawing/2014/main" id="{E3B0CEB6-A9F1-41B1-962A-77440E87F92E}"/>
-                  </a:ext>
-                </a:extLst>
-              </p:cNvPr>
-              <p:cNvSpPr/>
-              <p:nvPr/>
-            </p:nvSpPr>
-            <p:spPr>
-              <a:xfrm>
-                <a:off x="4711030" y="3325666"/>
-                <a:ext cx="832807" cy="203423"/>
-              </a:xfrm>
-              <a:prstGeom prst="roundRect">
-                <a:avLst>
-                  <a:gd name="adj" fmla="val 50000"/>
-                </a:avLst>
-              </a:prstGeom>
-              <a:solidFill>
-                <a:schemeClr val="tx1"/>
-              </a:solidFill>
-              <a:ln w="12700">
-                <a:solidFill>
-                  <a:schemeClr val="tx1"/>
-                </a:solidFill>
-              </a:ln>
-            </p:spPr>
-            <p:style>
-              <a:lnRef idx="2">
-                <a:schemeClr val="accent1">
-                  <a:shade val="50000"/>
-                </a:schemeClr>
-              </a:lnRef>
-              <a:fillRef idx="1">
-                <a:schemeClr val="accent1"/>
-              </a:fillRef>
-              <a:effectRef idx="0">
-                <a:schemeClr val="accent1"/>
-              </a:effectRef>
-              <a:fontRef idx="minor">
-                <a:schemeClr val="lt1"/>
-              </a:fontRef>
-            </p:style>
-            <p:txBody>
-              <a:bodyPr rtlCol="0" anchor="ctr"/>
-              <a:lstStyle/>
-              <a:p>
-                <a:pPr algn="r"/>
-                <a:endParaRPr lang="es-ES" sz="2000" dirty="0"/>
-              </a:p>
-            </p:txBody>
-          </p:sp>
-          <p:sp>
-            <p:nvSpPr>
-              <p:cNvPr id="271" name="Rectángulo: esquinas redondeadas 270">
-                <a:extLst>
-                  <a:ext uri="{FF2B5EF4-FFF2-40B4-BE49-F238E27FC236}">
-                    <a16:creationId xmlns:a16="http://schemas.microsoft.com/office/drawing/2014/main" id="{51C33DA4-3BE5-4772-81DF-04C1EA5C400F}"/>
-                  </a:ext>
-                </a:extLst>
-              </p:cNvPr>
-              <p:cNvSpPr/>
-              <p:nvPr/>
-            </p:nvSpPr>
-            <p:spPr>
-              <a:xfrm>
-                <a:off x="4965572" y="3337215"/>
-                <a:ext cx="568321" cy="183313"/>
-              </a:xfrm>
-              <a:prstGeom prst="roundRect">
-                <a:avLst>
-                  <a:gd name="adj" fmla="val 50000"/>
-                </a:avLst>
-              </a:prstGeom>
-              <a:solidFill>
-                <a:schemeClr val="bg1"/>
-              </a:solidFill>
-              <a:ln w="12700">
-                <a:solidFill>
-                  <a:schemeClr val="tx1"/>
-                </a:solidFill>
-              </a:ln>
-            </p:spPr>
-            <p:style>
-              <a:lnRef idx="2">
-                <a:schemeClr val="accent1">
-                  <a:shade val="50000"/>
-                </a:schemeClr>
-              </a:lnRef>
-              <a:fillRef idx="1">
-                <a:schemeClr val="accent1"/>
-              </a:fillRef>
-              <a:effectRef idx="0">
-                <a:schemeClr val="accent1"/>
-              </a:effectRef>
-              <a:fontRef idx="minor">
-                <a:schemeClr val="lt1"/>
-              </a:fontRef>
-            </p:style>
-            <p:txBody>
-              <a:bodyPr lIns="0" rIns="0" rtlCol="0" anchor="ctr"/>
-              <a:lstStyle/>
-              <a:p>
-                <a:pPr algn="ctr"/>
-                <a:r>
-                  <a:rPr lang="es-ES" sz="1000" dirty="0">
-                    <a:solidFill>
-                      <a:schemeClr val="tx1"/>
-                    </a:solidFill>
-                    <a:latin typeface="Audiowide" panose="02000503000000020004" pitchFamily="2" charset="0"/>
-                  </a:rPr>
-                  <a:t>INPUT 4</a:t>
-                </a:r>
-              </a:p>
-            </p:txBody>
-          </p:sp>
-          <p:sp>
-            <p:nvSpPr>
-              <p:cNvPr id="272" name="CuadroTexto 271">
-                <a:extLst>
-                  <a:ext uri="{FF2B5EF4-FFF2-40B4-BE49-F238E27FC236}">
-                    <a16:creationId xmlns:a16="http://schemas.microsoft.com/office/drawing/2014/main" id="{FA83E077-5A52-4CD3-8F42-D80D46384F79}"/>
-                  </a:ext>
-                </a:extLst>
-              </p:cNvPr>
-              <p:cNvSpPr txBox="1"/>
-              <p:nvPr/>
-            </p:nvSpPr>
-            <p:spPr>
-              <a:xfrm>
-                <a:off x="4679015" y="3331350"/>
-                <a:ext cx="347892" cy="189506"/>
-              </a:xfrm>
-              <a:prstGeom prst="rect">
-                <a:avLst/>
-              </a:prstGeom>
-              <a:noFill/>
-            </p:spPr>
-            <p:txBody>
-              <a:bodyPr wrap="square">
-                <a:spAutoFit/>
-              </a:bodyPr>
-              <a:lstStyle/>
-              <a:p>
-                <a:pPr algn="ctr"/>
-                <a:r>
-                  <a:rPr lang="es-ES" sz="900" dirty="0">
-                    <a:solidFill>
-                      <a:schemeClr val="bg1"/>
-                    </a:solidFill>
-                    <a:latin typeface="Audiowide" panose="02000503000000020004" pitchFamily="2" charset="0"/>
-                  </a:rPr>
-                  <a:t>A17</a:t>
+                  <a:t>A0</a:t>
                 </a:r>
               </a:p>
             </p:txBody>
@@ -6606,10 +5858,10 @@
         </p:nvGrpSpPr>
         <p:grpSpPr>
           <a:xfrm>
-            <a:off x="1041798" y="5272006"/>
-            <a:ext cx="4968593" cy="247784"/>
-            <a:chOff x="1057278" y="2598700"/>
-            <a:chExt cx="4968593" cy="247784"/>
+            <a:off x="809476" y="5245103"/>
+            <a:ext cx="3502714" cy="254708"/>
+            <a:chOff x="1057278" y="2591776"/>
+            <a:chExt cx="3502714" cy="254708"/>
           </a:xfrm>
         </p:grpSpPr>
         <p:grpSp>
@@ -6788,7 +6040,7 @@
                     </a:solidFill>
                     <a:latin typeface="Audiowide" panose="02000503000000020004" pitchFamily="2" charset="0"/>
                   </a:rPr>
-                  <a:t>A12</a:t>
+                  <a:t>A1</a:t>
                 </a:r>
               </a:p>
             </p:txBody>
@@ -6808,10 +6060,10 @@
           </p:nvGrpSpPr>
           <p:grpSpPr>
             <a:xfrm>
-              <a:off x="2338572" y="2598700"/>
-              <a:ext cx="1124711" cy="247784"/>
-              <a:chOff x="4679015" y="3325666"/>
-              <a:chExt cx="864822" cy="203423"/>
+              <a:off x="2240245" y="2598652"/>
+              <a:ext cx="1124710" cy="247784"/>
+              <a:chOff x="4603407" y="3325627"/>
+              <a:chExt cx="864821" cy="203423"/>
             </a:xfrm>
           </p:grpSpPr>
           <p:sp>
@@ -6828,7 +6080,7 @@
             </p:nvSpPr>
             <p:spPr>
               <a:xfrm>
-                <a:off x="4711030" y="3325666"/>
+                <a:off x="4635421" y="3325627"/>
                 <a:ext cx="832807" cy="203423"/>
               </a:xfrm>
               <a:prstGeom prst="roundRect">
@@ -6884,7 +6136,7 @@
             </p:nvSpPr>
             <p:spPr>
               <a:xfrm>
-                <a:off x="4965572" y="3337215"/>
+                <a:off x="4889962" y="3337176"/>
                 <a:ext cx="568321" cy="183313"/>
               </a:xfrm>
               <a:prstGeom prst="roundRect">
@@ -6948,7 +6200,7 @@
             </p:nvSpPr>
             <p:spPr>
               <a:xfrm>
-                <a:off x="4679015" y="3331350"/>
+                <a:off x="4603407" y="3331311"/>
                 <a:ext cx="347892" cy="189506"/>
               </a:xfrm>
               <a:prstGeom prst="rect">
@@ -6970,7 +6222,7 @@
                     </a:solidFill>
                     <a:latin typeface="Audiowide" panose="02000503000000020004" pitchFamily="2" charset="0"/>
                   </a:rPr>
-                  <a:t>A13</a:t>
+                  <a:t>A2</a:t>
                 </a:r>
               </a:p>
             </p:txBody>
@@ -6990,10 +6242,10 @@
           </p:nvGrpSpPr>
           <p:grpSpPr>
             <a:xfrm>
-              <a:off x="3619866" y="2598700"/>
-              <a:ext cx="1124711" cy="247784"/>
-              <a:chOff x="4679015" y="3325666"/>
-              <a:chExt cx="864822" cy="203423"/>
+              <a:off x="3435280" y="2591776"/>
+              <a:ext cx="1124712" cy="247784"/>
+              <a:chOff x="4537083" y="3319982"/>
+              <a:chExt cx="864823" cy="203423"/>
             </a:xfrm>
           </p:grpSpPr>
           <p:sp>
@@ -7010,7 +6262,7 @@
             </p:nvSpPr>
             <p:spPr>
               <a:xfrm>
-                <a:off x="4711030" y="3325666"/>
+                <a:off x="4569099" y="3319982"/>
                 <a:ext cx="832807" cy="203423"/>
               </a:xfrm>
               <a:prstGeom prst="roundRect">
@@ -7066,7 +6318,7 @@
             </p:nvSpPr>
             <p:spPr>
               <a:xfrm>
-                <a:off x="4965572" y="3337215"/>
+                <a:off x="4823641" y="3331531"/>
                 <a:ext cx="568321" cy="183313"/>
               </a:xfrm>
               <a:prstGeom prst="roundRect">
@@ -7130,7 +6382,7 @@
             </p:nvSpPr>
             <p:spPr>
               <a:xfrm>
-                <a:off x="4679015" y="3331350"/>
+                <a:off x="4537083" y="3325666"/>
                 <a:ext cx="347892" cy="189506"/>
               </a:xfrm>
               <a:prstGeom prst="rect">
@@ -7152,18 +6404,39 @@
                     </a:solidFill>
                     <a:latin typeface="Audiowide" panose="02000503000000020004" pitchFamily="2" charset="0"/>
                   </a:rPr>
-                  <a:t>A14</a:t>
+                  <a:t>A3</a:t>
                 </a:r>
               </a:p>
             </p:txBody>
           </p:sp>
         </p:grpSp>
+      </p:grpSp>
+      <p:grpSp>
+        <p:nvGrpSpPr>
+          <p:cNvPr id="312" name="Grupo 311">
+            <a:extLst>
+              <a:ext uri="{FF2B5EF4-FFF2-40B4-BE49-F238E27FC236}">
+                <a16:creationId xmlns:a16="http://schemas.microsoft.com/office/drawing/2014/main" id="{81F60973-414B-414D-A452-8C06D54B3CFC}"/>
+              </a:ext>
+            </a:extLst>
+          </p:cNvPr>
+          <p:cNvGrpSpPr/>
+          <p:nvPr/>
+        </p:nvGrpSpPr>
+        <p:grpSpPr>
+          <a:xfrm>
+            <a:off x="939397" y="1879806"/>
+            <a:ext cx="3509420" cy="954107"/>
+            <a:chOff x="1297832" y="3123592"/>
+            <a:chExt cx="3363697" cy="954107"/>
+          </a:xfrm>
+        </p:grpSpPr>
         <p:grpSp>
           <p:nvGrpSpPr>
-            <p:cNvPr id="294" name="Grupo 293">
+            <p:cNvPr id="313" name="Grupo 312">
               <a:extLst>
                 <a:ext uri="{FF2B5EF4-FFF2-40B4-BE49-F238E27FC236}">
-                  <a16:creationId xmlns:a16="http://schemas.microsoft.com/office/drawing/2014/main" id="{4F7BEC2E-962E-4274-906D-A4F24BF46068}"/>
+                  <a16:creationId xmlns:a16="http://schemas.microsoft.com/office/drawing/2014/main" id="{D4802609-33BD-4BE2-8724-A85E0D08FEB7}"/>
                 </a:ext>
               </a:extLst>
             </p:cNvPr>
@@ -7172,138 +6445,18 @@
           </p:nvGrpSpPr>
           <p:grpSpPr>
             <a:xfrm>
-              <a:off x="4901160" y="2598700"/>
-              <a:ext cx="1124711" cy="247784"/>
-              <a:chOff x="4679015" y="3325666"/>
-              <a:chExt cx="864822" cy="203423"/>
+              <a:off x="1297832" y="3123592"/>
+              <a:ext cx="3138964" cy="954107"/>
+              <a:chOff x="1270756" y="3048694"/>
+              <a:chExt cx="3138964" cy="954107"/>
             </a:xfrm>
           </p:grpSpPr>
           <p:sp>
             <p:nvSpPr>
-              <p:cNvPr id="295" name="Rectángulo: esquinas redondeadas 294">
+              <p:cNvPr id="315" name="CuadroTexto 314">
                 <a:extLst>
                   <a:ext uri="{FF2B5EF4-FFF2-40B4-BE49-F238E27FC236}">
-                    <a16:creationId xmlns:a16="http://schemas.microsoft.com/office/drawing/2014/main" id="{D2D4DBB8-A9A0-43F8-B62D-11010634ADCA}"/>
-                  </a:ext>
-                </a:extLst>
-              </p:cNvPr>
-              <p:cNvSpPr/>
-              <p:nvPr/>
-            </p:nvSpPr>
-            <p:spPr>
-              <a:xfrm>
-                <a:off x="4711030" y="3325666"/>
-                <a:ext cx="832807" cy="203423"/>
-              </a:xfrm>
-              <a:prstGeom prst="roundRect">
-                <a:avLst>
-                  <a:gd name="adj" fmla="val 50000"/>
-                </a:avLst>
-              </a:prstGeom>
-              <a:solidFill>
-                <a:schemeClr val="tx1"/>
-              </a:solidFill>
-              <a:ln w="12700">
-                <a:solidFill>
-                  <a:schemeClr val="tx1"/>
-                </a:solidFill>
-              </a:ln>
-            </p:spPr>
-            <p:style>
-              <a:lnRef idx="2">
-                <a:schemeClr val="accent1">
-                  <a:shade val="50000"/>
-                </a:schemeClr>
-              </a:lnRef>
-              <a:fillRef idx="1">
-                <a:schemeClr val="accent1"/>
-              </a:fillRef>
-              <a:effectRef idx="0">
-                <a:schemeClr val="accent1"/>
-              </a:effectRef>
-              <a:fontRef idx="minor">
-                <a:schemeClr val="lt1"/>
-              </a:fontRef>
-            </p:style>
-            <p:txBody>
-              <a:bodyPr rtlCol="0" anchor="ctr"/>
-              <a:lstStyle/>
-              <a:p>
-                <a:pPr algn="r"/>
-                <a:endParaRPr lang="es-ES" sz="2000" dirty="0"/>
-              </a:p>
-            </p:txBody>
-          </p:sp>
-          <p:sp>
-            <p:nvSpPr>
-              <p:cNvPr id="296" name="Rectángulo: esquinas redondeadas 295">
-                <a:extLst>
-                  <a:ext uri="{FF2B5EF4-FFF2-40B4-BE49-F238E27FC236}">
-                    <a16:creationId xmlns:a16="http://schemas.microsoft.com/office/drawing/2014/main" id="{831F07F0-77BA-4E3A-B152-53D2FFD724CB}"/>
-                  </a:ext>
-                </a:extLst>
-              </p:cNvPr>
-              <p:cNvSpPr/>
-              <p:nvPr/>
-            </p:nvSpPr>
-            <p:spPr>
-              <a:xfrm>
-                <a:off x="4965572" y="3337215"/>
-                <a:ext cx="568321" cy="183313"/>
-              </a:xfrm>
-              <a:prstGeom prst="roundRect">
-                <a:avLst>
-                  <a:gd name="adj" fmla="val 50000"/>
-                </a:avLst>
-              </a:prstGeom>
-              <a:solidFill>
-                <a:schemeClr val="bg1"/>
-              </a:solidFill>
-              <a:ln w="12700">
-                <a:solidFill>
-                  <a:schemeClr val="tx1"/>
-                </a:solidFill>
-              </a:ln>
-            </p:spPr>
-            <p:style>
-              <a:lnRef idx="2">
-                <a:schemeClr val="accent1">
-                  <a:shade val="50000"/>
-                </a:schemeClr>
-              </a:lnRef>
-              <a:fillRef idx="1">
-                <a:schemeClr val="accent1"/>
-              </a:fillRef>
-              <a:effectRef idx="0">
-                <a:schemeClr val="accent1"/>
-              </a:effectRef>
-              <a:fontRef idx="minor">
-                <a:schemeClr val="lt1"/>
-              </a:fontRef>
-            </p:style>
-            <p:txBody>
-              <a:bodyPr lIns="0" rIns="0" rtlCol="0" anchor="ctr"/>
-              <a:lstStyle/>
-              <a:p>
-                <a:pPr algn="ctr"/>
-                <a:r>
-                  <a:rPr lang="es-ES" sz="1000" dirty="0">
-                    <a:solidFill>
-                      <a:schemeClr val="tx1"/>
-                    </a:solidFill>
-                    <a:latin typeface="Audiowide" panose="02000503000000020004" pitchFamily="2" charset="0"/>
-                  </a:rPr>
-                  <a:t>INPUT 8</a:t>
-                </a:r>
-              </a:p>
-            </p:txBody>
-          </p:sp>
-          <p:sp>
-            <p:nvSpPr>
-              <p:cNvPr id="297" name="CuadroTexto 296">
-                <a:extLst>
-                  <a:ext uri="{FF2B5EF4-FFF2-40B4-BE49-F238E27FC236}">
-                    <a16:creationId xmlns:a16="http://schemas.microsoft.com/office/drawing/2014/main" id="{D940337F-0605-4271-9AED-99BB9C559F57}"/>
+                    <a16:creationId xmlns:a16="http://schemas.microsoft.com/office/drawing/2014/main" id="{BB10D2D0-401C-45A0-A11E-97D7783C3CE8}"/>
                   </a:ext>
                 </a:extLst>
               </p:cNvPr>
@@ -7312,91 +6465,8 @@
             </p:nvSpPr>
             <p:spPr>
               <a:xfrm>
-                <a:off x="4679015" y="3331350"/>
-                <a:ext cx="347892" cy="189506"/>
-              </a:xfrm>
-              <a:prstGeom prst="rect">
-                <a:avLst/>
-              </a:prstGeom>
-              <a:noFill/>
-            </p:spPr>
-            <p:txBody>
-              <a:bodyPr wrap="square">
-                <a:spAutoFit/>
-              </a:bodyPr>
-              <a:lstStyle/>
-              <a:p>
-                <a:pPr algn="ctr"/>
-                <a:r>
-                  <a:rPr lang="es-ES" sz="900" dirty="0">
-                    <a:solidFill>
-                      <a:schemeClr val="bg1"/>
-                    </a:solidFill>
-                    <a:latin typeface="Audiowide" panose="02000503000000020004" pitchFamily="2" charset="0"/>
-                  </a:rPr>
-                  <a:t>A15</a:t>
-                </a:r>
-              </a:p>
-            </p:txBody>
-          </p:sp>
-        </p:grpSp>
-      </p:grpSp>
-      <p:grpSp>
-        <p:nvGrpSpPr>
-          <p:cNvPr id="307" name="Grupo 306">
-            <a:extLst>
-              <a:ext uri="{FF2B5EF4-FFF2-40B4-BE49-F238E27FC236}">
-                <a16:creationId xmlns:a16="http://schemas.microsoft.com/office/drawing/2014/main" id="{933DC89F-546B-4D72-ADC6-100A820D1D21}"/>
-              </a:ext>
-            </a:extLst>
-          </p:cNvPr>
-          <p:cNvGrpSpPr/>
-          <p:nvPr/>
-        </p:nvGrpSpPr>
-        <p:grpSpPr>
-          <a:xfrm rot="16200000">
-            <a:off x="4788452" y="3590841"/>
-            <a:ext cx="3448379" cy="954107"/>
-            <a:chOff x="1213150" y="3123593"/>
-            <a:chExt cx="3448379" cy="954107"/>
-          </a:xfrm>
-        </p:grpSpPr>
-        <p:grpSp>
-          <p:nvGrpSpPr>
-            <p:cNvPr id="308" name="Grupo 307">
-              <a:extLst>
-                <a:ext uri="{FF2B5EF4-FFF2-40B4-BE49-F238E27FC236}">
-                  <a16:creationId xmlns:a16="http://schemas.microsoft.com/office/drawing/2014/main" id="{177FFC82-0042-49FB-A55B-95CD9D12F2C2}"/>
-                </a:ext>
-              </a:extLst>
-            </p:cNvPr>
-            <p:cNvGrpSpPr/>
-            <p:nvPr/>
-          </p:nvGrpSpPr>
-          <p:grpSpPr>
-            <a:xfrm>
-              <a:off x="1213150" y="3123593"/>
-              <a:ext cx="3229360" cy="954107"/>
-              <a:chOff x="1186074" y="3048695"/>
-              <a:chExt cx="3229360" cy="954107"/>
-            </a:xfrm>
-          </p:grpSpPr>
-          <p:sp>
-            <p:nvSpPr>
-              <p:cNvPr id="310" name="CuadroTexto 309">
-                <a:extLst>
-                  <a:ext uri="{FF2B5EF4-FFF2-40B4-BE49-F238E27FC236}">
-                    <a16:creationId xmlns:a16="http://schemas.microsoft.com/office/drawing/2014/main" id="{42389257-FD3A-4844-9C0A-3F3904E9B9FB}"/>
-                  </a:ext>
-                </a:extLst>
-              </p:cNvPr>
-              <p:cNvSpPr txBox="1"/>
-              <p:nvPr/>
-            </p:nvSpPr>
-            <p:spPr>
-              <a:xfrm>
-                <a:off x="1186074" y="3048695"/>
-                <a:ext cx="2840402" cy="954107"/>
+                <a:off x="1270756" y="3048694"/>
+                <a:ext cx="2755720" cy="954107"/>
               </a:xfrm>
               <a:prstGeom prst="rect">
                 <a:avLst/>
@@ -7420,189 +6490,11 @@
                   <a:rPr lang="es-ES" sz="2800" dirty="0" err="1">
                     <a:latin typeface="Audiowide" panose="02000503000000020004" pitchFamily="2" charset="0"/>
                   </a:rPr>
-                  <a:t>Power</a:t>
+                  <a:t>Powermeter</a:t>
                 </a:r>
-                <a:r>
-                  <a:rPr lang="es-ES" sz="2800" dirty="0">
-                    <a:latin typeface="Audiowide" panose="02000503000000020004" pitchFamily="2" charset="0"/>
-                  </a:rPr>
-                  <a:t>-meter</a:t>
-                </a:r>
-              </a:p>
-            </p:txBody>
-          </p:sp>
-          <p:pic>
-            <p:nvPicPr>
-              <p:cNvPr id="311" name="Picture 32" descr="Internet and WiFi - Bibliothèques de Martigues">
-                <a:extLst>
-                  <a:ext uri="{FF2B5EF4-FFF2-40B4-BE49-F238E27FC236}">
-                    <a16:creationId xmlns:a16="http://schemas.microsoft.com/office/drawing/2014/main" id="{1090B0AF-FFE1-478D-B706-57736848ABBC}"/>
-                  </a:ext>
-                </a:extLst>
-              </p:cNvPr>
-              <p:cNvPicPr>
-                <a:picLocks noChangeAspect="1" noChangeArrowheads="1"/>
-              </p:cNvPicPr>
-              <p:nvPr/>
-            </p:nvPicPr>
-            <p:blipFill>
-              <a:blip r:embed="rId4">
-                <a:extLst>
-                  <a:ext uri="{28A0092B-C50C-407E-A947-70E740481C1C}">
-                    <a14:useLocalDpi xmlns:a14="http://schemas.microsoft.com/office/drawing/2010/main" val="0"/>
-                  </a:ext>
-                </a:extLst>
-              </a:blip>
-              <a:srcRect/>
-              <a:stretch>
-                <a:fillRect/>
-              </a:stretch>
-            </p:blipFill>
-            <p:spPr bwMode="auto">
-              <a:xfrm rot="2604738">
-                <a:off x="3895447" y="3477536"/>
-                <a:ext cx="519987" cy="450856"/>
-              </a:xfrm>
-              <a:prstGeom prst="rect">
-                <a:avLst/>
-              </a:prstGeom>
-              <a:noFill/>
-              <a:extLst>
-                <a:ext uri="{909E8E84-426E-40DD-AFC4-6F175D3DCCD1}">
-                  <a14:hiddenFill xmlns:a14="http://schemas.microsoft.com/office/drawing/2010/main">
-                    <a:solidFill>
-                      <a:srgbClr val="FFFFFF"/>
-                    </a:solidFill>
-                  </a14:hiddenFill>
-                </a:ext>
-              </a:extLst>
-            </p:spPr>
-          </p:pic>
-        </p:grpSp>
-        <p:pic>
-          <p:nvPicPr>
-            <p:cNvPr id="309" name="Imagen 308">
-              <a:extLst>
-                <a:ext uri="{FF2B5EF4-FFF2-40B4-BE49-F238E27FC236}">
-                  <a16:creationId xmlns:a16="http://schemas.microsoft.com/office/drawing/2014/main" id="{0B1980DC-83AE-4A77-9889-24909EDF0E75}"/>
-                </a:ext>
-              </a:extLst>
-            </p:cNvPr>
-            <p:cNvPicPr>
-              <a:picLocks noChangeAspect="1"/>
-            </p:cNvPicPr>
-            <p:nvPr/>
-          </p:nvPicPr>
-          <p:blipFill>
-            <a:blip r:embed="rId5">
-              <a:extLst>
-                <a:ext uri="{28A0092B-C50C-407E-A947-70E740481C1C}">
-                  <a14:useLocalDpi xmlns:a14="http://schemas.microsoft.com/office/drawing/2010/main" val="0"/>
-                </a:ext>
-              </a:extLst>
-            </a:blip>
-            <a:stretch>
-              <a:fillRect/>
-            </a:stretch>
-          </p:blipFill>
-          <p:spPr>
-            <a:xfrm>
-              <a:off x="4204329" y="3195022"/>
-              <a:ext cx="457200" cy="457200"/>
-            </a:xfrm>
-            <a:prstGeom prst="rect">
-              <a:avLst/>
-            </a:prstGeom>
-          </p:spPr>
-        </p:pic>
-      </p:grpSp>
-      <p:grpSp>
-        <p:nvGrpSpPr>
-          <p:cNvPr id="312" name="Grupo 311">
-            <a:extLst>
-              <a:ext uri="{FF2B5EF4-FFF2-40B4-BE49-F238E27FC236}">
-                <a16:creationId xmlns:a16="http://schemas.microsoft.com/office/drawing/2014/main" id="{81F60973-414B-414D-A452-8C06D54B3CFC}"/>
-              </a:ext>
-            </a:extLst>
-          </p:cNvPr>
-          <p:cNvGrpSpPr/>
-          <p:nvPr/>
-        </p:nvGrpSpPr>
-        <p:grpSpPr>
-          <a:xfrm>
-            <a:off x="1638301" y="3589039"/>
-            <a:ext cx="3509420" cy="1384995"/>
-            <a:chOff x="1297832" y="3123592"/>
-            <a:chExt cx="3363697" cy="1384995"/>
-          </a:xfrm>
-        </p:grpSpPr>
-        <p:grpSp>
-          <p:nvGrpSpPr>
-            <p:cNvPr id="313" name="Grupo 312">
-              <a:extLst>
-                <a:ext uri="{FF2B5EF4-FFF2-40B4-BE49-F238E27FC236}">
-                  <a16:creationId xmlns:a16="http://schemas.microsoft.com/office/drawing/2014/main" id="{D4802609-33BD-4BE2-8724-A85E0D08FEB7}"/>
-                </a:ext>
-              </a:extLst>
-            </p:cNvPr>
-            <p:cNvGrpSpPr/>
-            <p:nvPr/>
-          </p:nvGrpSpPr>
-          <p:grpSpPr>
-            <a:xfrm>
-              <a:off x="1297832" y="3123592"/>
-              <a:ext cx="3144678" cy="1384995"/>
-              <a:chOff x="1270756" y="3048694"/>
-              <a:chExt cx="3144678" cy="1384995"/>
-            </a:xfrm>
-          </p:grpSpPr>
-          <p:sp>
-            <p:nvSpPr>
-              <p:cNvPr id="315" name="CuadroTexto 314">
-                <a:extLst>
-                  <a:ext uri="{FF2B5EF4-FFF2-40B4-BE49-F238E27FC236}">
-                    <a16:creationId xmlns:a16="http://schemas.microsoft.com/office/drawing/2014/main" id="{BB10D2D0-401C-45A0-A11E-97D7783C3CE8}"/>
-                  </a:ext>
-                </a:extLst>
-              </p:cNvPr>
-              <p:cNvSpPr txBox="1"/>
-              <p:nvPr/>
-            </p:nvSpPr>
-            <p:spPr>
-              <a:xfrm>
-                <a:off x="1270756" y="3048694"/>
-                <a:ext cx="2755720" cy="1384995"/>
-              </a:xfrm>
-              <a:prstGeom prst="rect">
-                <a:avLst/>
-              </a:prstGeom>
-              <a:noFill/>
-            </p:spPr>
-            <p:txBody>
-              <a:bodyPr wrap="square" rtlCol="0">
-                <a:spAutoFit/>
-              </a:bodyPr>
-              <a:lstStyle/>
-              <a:p>
-                <a:pPr algn="r"/>
-                <a:r>
-                  <a:rPr lang="es-ES" sz="2800" dirty="0">
-                    <a:latin typeface="Audiowide" panose="02000503000000020004" pitchFamily="2" charset="0"/>
-                  </a:rPr>
-                  <a:t>Smart </a:t>
-                </a:r>
-                <a:r>
-                  <a:rPr lang="es-ES" sz="2800" dirty="0" err="1">
-                    <a:latin typeface="Audiowide" panose="02000503000000020004" pitchFamily="2" charset="0"/>
-                  </a:rPr>
-                  <a:t>Power</a:t>
-                </a:r>
-                <a:r>
-                  <a:rPr lang="es-ES" sz="2800" dirty="0">
-                    <a:latin typeface="Audiowide" panose="02000503000000020004" pitchFamily="2" charset="0"/>
-                  </a:rPr>
-                  <a:t>-meter</a:t>
-                </a:r>
+                <a:endParaRPr lang="es-ES" sz="2800" dirty="0">
+                  <a:latin typeface="Audiowide" panose="02000503000000020004" pitchFamily="2" charset="0"/>
+                </a:endParaRPr>
               </a:p>
             </p:txBody>
           </p:sp>
@@ -7621,7 +6513,7 @@
               <p:nvPr/>
             </p:nvPicPr>
             <p:blipFill>
-              <a:blip r:embed="rId4">
+              <a:blip r:embed="rId2">
                 <a:extLst>
                   <a:ext uri="{28A0092B-C50C-407E-A947-70E740481C1C}">
                     <a14:useLocalDpi xmlns:a14="http://schemas.microsoft.com/office/drawing/2010/main" val="0"/>
@@ -7635,8 +6527,8 @@
             </p:blipFill>
             <p:spPr bwMode="auto">
               <a:xfrm rot="2604738">
-                <a:off x="3895447" y="3477536"/>
-                <a:ext cx="519987" cy="450856"/>
+                <a:off x="3931493" y="3492507"/>
+                <a:ext cx="478227" cy="450856"/>
               </a:xfrm>
               <a:prstGeom prst="rect">
                 <a:avLst/>
@@ -7669,7 +6561,7 @@
             <p:nvPr/>
           </p:nvPicPr>
           <p:blipFill>
-            <a:blip r:embed="rId5">
+            <a:blip r:embed="rId3">
               <a:extLst>
                 <a:ext uri="{28A0092B-C50C-407E-A947-70E740481C1C}">
                   <a14:useLocalDpi xmlns:a14="http://schemas.microsoft.com/office/drawing/2010/main" val="0"/>
@@ -7691,10 +6583,434 @@
           </p:spPr>
         </p:pic>
       </p:grpSp>
+      <p:grpSp>
+        <p:nvGrpSpPr>
+          <p:cNvPr id="63" name="Grupo 62">
+            <a:extLst>
+              <a:ext uri="{FF2B5EF4-FFF2-40B4-BE49-F238E27FC236}">
+                <a16:creationId xmlns:a16="http://schemas.microsoft.com/office/drawing/2014/main" id="{FC560BEC-2F52-4694-AE07-04EF2E0C3FAB}"/>
+              </a:ext>
+            </a:extLst>
+          </p:cNvPr>
+          <p:cNvGrpSpPr/>
+          <p:nvPr/>
+        </p:nvGrpSpPr>
+        <p:grpSpPr>
+          <a:xfrm rot="5400000">
+            <a:off x="6021738" y="114487"/>
+            <a:ext cx="481957" cy="923962"/>
+            <a:chOff x="6361351" y="1501055"/>
+            <a:chExt cx="481957" cy="484518"/>
+          </a:xfrm>
+        </p:grpSpPr>
+        <p:sp>
+          <p:nvSpPr>
+            <p:cNvPr id="64" name="CuadroTexto 63">
+              <a:extLst>
+                <a:ext uri="{FF2B5EF4-FFF2-40B4-BE49-F238E27FC236}">
+                  <a16:creationId xmlns:a16="http://schemas.microsoft.com/office/drawing/2014/main" id="{06FACA06-2848-4701-958B-0FDE7272CC14}"/>
+                </a:ext>
+              </a:extLst>
+            </p:cNvPr>
+            <p:cNvSpPr txBox="1"/>
+            <p:nvPr/>
+          </p:nvSpPr>
+          <p:spPr>
+            <a:xfrm rot="16200000">
+              <a:off x="6343915" y="1527869"/>
+              <a:ext cx="484516" cy="430887"/>
+            </a:xfrm>
+            <a:prstGeom prst="rect">
+              <a:avLst/>
+            </a:prstGeom>
+            <a:noFill/>
+          </p:spPr>
+          <p:txBody>
+            <a:bodyPr wrap="square">
+              <a:spAutoFit/>
+            </a:bodyPr>
+            <a:lstStyle/>
+            <a:p>
+              <a:pPr algn="ctr"/>
+              <a:r>
+                <a:rPr lang="es-ES" sz="1100" dirty="0">
+                  <a:latin typeface="Audiowide" panose="02000503000000020004" pitchFamily="2" charset="0"/>
+                </a:rPr>
+                <a:t>Input</a:t>
+              </a:r>
+            </a:p>
+            <a:p>
+              <a:pPr algn="ctr"/>
+              <a:r>
+                <a:rPr lang="es-ES" sz="1100" dirty="0">
+                  <a:latin typeface="Audiowide" panose="02000503000000020004" pitchFamily="2" charset="0"/>
+                </a:rPr>
+                <a:t>230 VAC</a:t>
+              </a:r>
+              <a:endParaRPr lang="es-ES" sz="1100" dirty="0"/>
+            </a:p>
+          </p:txBody>
+        </p:sp>
+        <p:sp>
+          <p:nvSpPr>
+            <p:cNvPr id="65" name="Rectángulo: esquinas redondeadas 64">
+              <a:extLst>
+                <a:ext uri="{FF2B5EF4-FFF2-40B4-BE49-F238E27FC236}">
+                  <a16:creationId xmlns:a16="http://schemas.microsoft.com/office/drawing/2014/main" id="{5E233DAC-8CCC-452B-AC4D-FA1691E06855}"/>
+                </a:ext>
+              </a:extLst>
+            </p:cNvPr>
+            <p:cNvSpPr/>
+            <p:nvPr/>
+          </p:nvSpPr>
+          <p:spPr>
+            <a:xfrm rot="16200000">
+              <a:off x="6363239" y="1505503"/>
+              <a:ext cx="478182" cy="481957"/>
+            </a:xfrm>
+            <a:prstGeom prst="roundRect">
+              <a:avLst>
+                <a:gd name="adj" fmla="val 30781"/>
+              </a:avLst>
+            </a:prstGeom>
+            <a:noFill/>
+            <a:ln w="28575">
+              <a:solidFill>
+                <a:schemeClr val="tx1"/>
+              </a:solidFill>
+            </a:ln>
+          </p:spPr>
+          <p:style>
+            <a:lnRef idx="2">
+              <a:schemeClr val="accent1">
+                <a:shade val="50000"/>
+              </a:schemeClr>
+            </a:lnRef>
+            <a:fillRef idx="1">
+              <a:schemeClr val="accent1"/>
+            </a:fillRef>
+            <a:effectRef idx="0">
+              <a:schemeClr val="accent1"/>
+            </a:effectRef>
+            <a:fontRef idx="minor">
+              <a:schemeClr val="lt1"/>
+            </a:fontRef>
+          </p:style>
+          <p:txBody>
+            <a:bodyPr rtlCol="0" anchor="ctr"/>
+            <a:lstStyle/>
+            <a:p>
+              <a:pPr algn="r"/>
+              <a:endParaRPr lang="es-ES" dirty="0"/>
+            </a:p>
+          </p:txBody>
+        </p:sp>
+      </p:grpSp>
     </p:spTree>
     <p:extLst>
       <p:ext uri="{BB962C8B-B14F-4D97-AF65-F5344CB8AC3E}">
-        <p14:creationId xmlns:p14="http://schemas.microsoft.com/office/powerpoint/2010/main" val="1386221892"/>
+        <p14:creationId xmlns:p14="http://schemas.microsoft.com/office/powerpoint/2010/main" val="142763436"/>
+      </p:ext>
+    </p:extLst>
+  </p:cSld>
+  <p:clrMapOvr>
+    <a:masterClrMapping/>
+  </p:clrMapOvr>
+</p:sld>
+</file>
+
+<file path=ppt/slides/slide4.xml><?xml version="1.0" encoding="utf-8"?>
+<p:sld xmlns:a="http://schemas.openxmlformats.org/drawingml/2006/main" xmlns:r="http://schemas.openxmlformats.org/officeDocument/2006/relationships" xmlns:p="http://schemas.openxmlformats.org/presentationml/2006/main">
+  <p:cSld>
+    <p:spTree>
+      <p:nvGrpSpPr>
+        <p:cNvPr id="1" name=""/>
+        <p:cNvGrpSpPr/>
+        <p:nvPr/>
+      </p:nvGrpSpPr>
+      <p:grpSpPr>
+        <a:xfrm>
+          <a:off x="0" y="0"/>
+          <a:ext cx="0" cy="0"/>
+          <a:chOff x="0" y="0"/>
+          <a:chExt cx="0" cy="0"/>
+        </a:xfrm>
+      </p:grpSpPr>
+      <p:grpSp>
+        <p:nvGrpSpPr>
+          <p:cNvPr id="312" name="Grupo 311">
+            <a:extLst>
+              <a:ext uri="{FF2B5EF4-FFF2-40B4-BE49-F238E27FC236}">
+                <a16:creationId xmlns:a16="http://schemas.microsoft.com/office/drawing/2014/main" id="{81F60973-414B-414D-A452-8C06D54B3CFC}"/>
+              </a:ext>
+            </a:extLst>
+          </p:cNvPr>
+          <p:cNvGrpSpPr/>
+          <p:nvPr/>
+        </p:nvGrpSpPr>
+        <p:grpSpPr>
+          <a:xfrm>
+            <a:off x="-173673" y="3267470"/>
+            <a:ext cx="5182928" cy="1323439"/>
+            <a:chOff x="1297832" y="3123592"/>
+            <a:chExt cx="3363697" cy="896116"/>
+          </a:xfrm>
+        </p:grpSpPr>
+        <p:grpSp>
+          <p:nvGrpSpPr>
+            <p:cNvPr id="313" name="Grupo 312">
+              <a:extLst>
+                <a:ext uri="{FF2B5EF4-FFF2-40B4-BE49-F238E27FC236}">
+                  <a16:creationId xmlns:a16="http://schemas.microsoft.com/office/drawing/2014/main" id="{D4802609-33BD-4BE2-8724-A85E0D08FEB7}"/>
+                </a:ext>
+              </a:extLst>
+            </p:cNvPr>
+            <p:cNvGrpSpPr/>
+            <p:nvPr/>
+          </p:nvGrpSpPr>
+          <p:grpSpPr>
+            <a:xfrm>
+              <a:off x="1297832" y="3123592"/>
+              <a:ext cx="3138964" cy="896116"/>
+              <a:chOff x="1270756" y="3048694"/>
+              <a:chExt cx="3138964" cy="896116"/>
+            </a:xfrm>
+          </p:grpSpPr>
+          <p:sp>
+            <p:nvSpPr>
+              <p:cNvPr id="315" name="CuadroTexto 314">
+                <a:extLst>
+                  <a:ext uri="{FF2B5EF4-FFF2-40B4-BE49-F238E27FC236}">
+                    <a16:creationId xmlns:a16="http://schemas.microsoft.com/office/drawing/2014/main" id="{BB10D2D0-401C-45A0-A11E-97D7783C3CE8}"/>
+                  </a:ext>
+                </a:extLst>
+              </p:cNvPr>
+              <p:cNvSpPr txBox="1"/>
+              <p:nvPr/>
+            </p:nvSpPr>
+            <p:spPr>
+              <a:xfrm>
+                <a:off x="1270756" y="3048694"/>
+                <a:ext cx="2755720" cy="896116"/>
+              </a:xfrm>
+              <a:prstGeom prst="rect">
+                <a:avLst/>
+              </a:prstGeom>
+              <a:noFill/>
+            </p:spPr>
+            <p:txBody>
+              <a:bodyPr wrap="square" rtlCol="0">
+                <a:spAutoFit/>
+              </a:bodyPr>
+              <a:lstStyle/>
+              <a:p>
+                <a:pPr algn="r"/>
+                <a:r>
+                  <a:rPr lang="es-ES" sz="4000" dirty="0">
+                    <a:latin typeface="Audiowide" panose="02000503000000020004" pitchFamily="2" charset="0"/>
+                  </a:rPr>
+                  <a:t>Smart </a:t>
+                </a:r>
+                <a:r>
+                  <a:rPr lang="es-ES" sz="4000" dirty="0" err="1">
+                    <a:latin typeface="Audiowide" panose="02000503000000020004" pitchFamily="2" charset="0"/>
+                  </a:rPr>
+                  <a:t>Powermeter</a:t>
+                </a:r>
+                <a:endParaRPr lang="es-ES" sz="4000" dirty="0">
+                  <a:latin typeface="Audiowide" panose="02000503000000020004" pitchFamily="2" charset="0"/>
+                </a:endParaRPr>
+              </a:p>
+            </p:txBody>
+          </p:sp>
+          <p:pic>
+            <p:nvPicPr>
+              <p:cNvPr id="316" name="Picture 32" descr="Internet and WiFi - Bibliothèques de Martigues">
+                <a:extLst>
+                  <a:ext uri="{FF2B5EF4-FFF2-40B4-BE49-F238E27FC236}">
+                    <a16:creationId xmlns:a16="http://schemas.microsoft.com/office/drawing/2014/main" id="{2198E32D-C536-4A03-B996-EF340E6FD583}"/>
+                  </a:ext>
+                </a:extLst>
+              </p:cNvPr>
+              <p:cNvPicPr>
+                <a:picLocks noChangeAspect="1" noChangeArrowheads="1"/>
+              </p:cNvPicPr>
+              <p:nvPr/>
+            </p:nvPicPr>
+            <p:blipFill>
+              <a:blip r:embed="rId2">
+                <a:extLst>
+                  <a:ext uri="{28A0092B-C50C-407E-A947-70E740481C1C}">
+                    <a14:useLocalDpi xmlns:a14="http://schemas.microsoft.com/office/drawing/2010/main" val="0"/>
+                  </a:ext>
+                </a:extLst>
+              </a:blip>
+              <a:srcRect/>
+              <a:stretch>
+                <a:fillRect/>
+              </a:stretch>
+            </p:blipFill>
+            <p:spPr bwMode="auto">
+              <a:xfrm rot="2604738">
+                <a:off x="3931493" y="3492507"/>
+                <a:ext cx="478227" cy="450856"/>
+              </a:xfrm>
+              <a:prstGeom prst="rect">
+                <a:avLst/>
+              </a:prstGeom>
+              <a:noFill/>
+              <a:extLst>
+                <a:ext uri="{909E8E84-426E-40DD-AFC4-6F175D3DCCD1}">
+                  <a14:hiddenFill xmlns:a14="http://schemas.microsoft.com/office/drawing/2010/main">
+                    <a:solidFill>
+                      <a:srgbClr val="FFFFFF"/>
+                    </a:solidFill>
+                  </a14:hiddenFill>
+                </a:ext>
+              </a:extLst>
+            </p:spPr>
+          </p:pic>
+        </p:grpSp>
+        <p:pic>
+          <p:nvPicPr>
+            <p:cNvPr id="314" name="Imagen 313">
+              <a:extLst>
+                <a:ext uri="{FF2B5EF4-FFF2-40B4-BE49-F238E27FC236}">
+                  <a16:creationId xmlns:a16="http://schemas.microsoft.com/office/drawing/2014/main" id="{B5856D20-1F92-482D-8DA1-A221C8B5294B}"/>
+                </a:ext>
+              </a:extLst>
+            </p:cNvPr>
+            <p:cNvPicPr>
+              <a:picLocks noChangeAspect="1"/>
+            </p:cNvPicPr>
+            <p:nvPr/>
+          </p:nvPicPr>
+          <p:blipFill>
+            <a:blip r:embed="rId3">
+              <a:extLst>
+                <a:ext uri="{28A0092B-C50C-407E-A947-70E740481C1C}">
+                  <a14:useLocalDpi xmlns:a14="http://schemas.microsoft.com/office/drawing/2010/main" val="0"/>
+                </a:ext>
+              </a:extLst>
+            </a:blip>
+            <a:stretch>
+              <a:fillRect/>
+            </a:stretch>
+          </p:blipFill>
+          <p:spPr>
+            <a:xfrm>
+              <a:off x="4204329" y="3195022"/>
+              <a:ext cx="457200" cy="457200"/>
+            </a:xfrm>
+            <a:prstGeom prst="rect">
+              <a:avLst/>
+            </a:prstGeom>
+          </p:spPr>
+        </p:pic>
+      </p:grpSp>
+      <p:pic>
+        <p:nvPicPr>
+          <p:cNvPr id="67" name="Picture 2" descr="Arrow Bolt Signal Of Electrical Shock Risk In Triangular - Señal De Riesgo  Electrico Para Colorear | Full Size PNG Download | SeekPNG">
+            <a:extLst>
+              <a:ext uri="{FF2B5EF4-FFF2-40B4-BE49-F238E27FC236}">
+                <a16:creationId xmlns:a16="http://schemas.microsoft.com/office/drawing/2014/main" id="{B1B6481B-A93E-44F4-AC42-A242A54AEC5E}"/>
+              </a:ext>
+            </a:extLst>
+          </p:cNvPr>
+          <p:cNvPicPr>
+            <a:picLocks noChangeAspect="1" noChangeArrowheads="1"/>
+          </p:cNvPicPr>
+          <p:nvPr/>
+        </p:nvPicPr>
+        <p:blipFill>
+          <a:blip r:embed="rId4">
+            <a:extLst>
+              <a:ext uri="{28A0092B-C50C-407E-A947-70E740481C1C}">
+                <a14:useLocalDpi xmlns:a14="http://schemas.microsoft.com/office/drawing/2010/main" val="0"/>
+              </a:ext>
+            </a:extLst>
+          </a:blip>
+          <a:srcRect/>
+          <a:stretch>
+            <a:fillRect/>
+          </a:stretch>
+        </p:blipFill>
+        <p:spPr bwMode="auto">
+          <a:xfrm>
+            <a:off x="5944677" y="630559"/>
+            <a:ext cx="843402" cy="748740"/>
+          </a:xfrm>
+          <a:prstGeom prst="rect">
+            <a:avLst/>
+          </a:prstGeom>
+          <a:noFill/>
+          <a:extLst>
+            <a:ext uri="{909E8E84-426E-40DD-AFC4-6F175D3DCCD1}">
+              <a14:hiddenFill xmlns:a14="http://schemas.microsoft.com/office/drawing/2010/main">
+                <a:solidFill>
+                  <a:srgbClr val="FFFFFF"/>
+                </a:solidFill>
+              </a14:hiddenFill>
+            </a:ext>
+          </a:extLst>
+        </p:spPr>
+      </p:pic>
+      <p:sp>
+        <p:nvSpPr>
+          <p:cNvPr id="68" name="CuadroTexto 67">
+            <a:extLst>
+              <a:ext uri="{FF2B5EF4-FFF2-40B4-BE49-F238E27FC236}">
+                <a16:creationId xmlns:a16="http://schemas.microsoft.com/office/drawing/2014/main" id="{43A9C69E-D5DF-4E92-9F8F-F1DF304324D2}"/>
+              </a:ext>
+            </a:extLst>
+          </p:cNvPr>
+          <p:cNvSpPr txBox="1"/>
+          <p:nvPr/>
+        </p:nvSpPr>
+        <p:spPr>
+          <a:xfrm>
+            <a:off x="5662142" y="1379299"/>
+            <a:ext cx="1408471" cy="738664"/>
+          </a:xfrm>
+          <a:prstGeom prst="rect">
+            <a:avLst/>
+          </a:prstGeom>
+          <a:noFill/>
+        </p:spPr>
+        <p:txBody>
+          <a:bodyPr wrap="square">
+            <a:spAutoFit/>
+          </a:bodyPr>
+          <a:lstStyle/>
+          <a:p>
+            <a:pPr algn="ctr"/>
+            <a:r>
+              <a:rPr lang="es-ES" sz="1800" dirty="0" err="1">
+                <a:latin typeface="Audiowide" panose="02000503000000020004" pitchFamily="2" charset="0"/>
+              </a:rPr>
+              <a:t>Danger</a:t>
+            </a:r>
+            <a:br>
+              <a:rPr lang="es-ES" sz="1800" dirty="0">
+                <a:latin typeface="Audiowide" panose="02000503000000020004" pitchFamily="2" charset="0"/>
+              </a:rPr>
+            </a:br>
+            <a:r>
+              <a:rPr lang="es-ES" sz="1200" dirty="0">
+                <a:latin typeface="Audiowide" panose="02000503000000020004" pitchFamily="2" charset="0"/>
+              </a:rPr>
+              <a:t>DO NOT TOUCH</a:t>
+            </a:r>
+            <a:endParaRPr lang="es-ES" sz="1800" dirty="0">
+              <a:latin typeface="Audiowide" panose="02000503000000020004" pitchFamily="2" charset="0"/>
+            </a:endParaRPr>
+          </a:p>
+        </p:txBody>
+      </p:sp>
+    </p:spTree>
+    <p:extLst>
+      <p:ext uri="{BB962C8B-B14F-4D97-AF65-F5344CB8AC3E}">
+        <p14:creationId xmlns:p14="http://schemas.microsoft.com/office/powerpoint/2010/main" val="3531567338"/>
       </p:ext>
     </p:extLst>
   </p:cSld>
